--- a/07発表資料/作品公開発表資料 .pptx
+++ b/07発表資料/作品公開発表資料 .pptx
@@ -137,109 +137,11 @@
 <file path=ppt/revisionInfo.xml><?xml version="1.0" encoding="utf-8"?>
 <p1510:revInfo xmlns:a="http://schemas.openxmlformats.org/drawingml/2006/main" xmlns:r="http://schemas.openxmlformats.org/officeDocument/2006/relationships" xmlns:p1510="http://schemas.microsoft.com/office/powerpoint/2015/10/main">
   <p1510:revLst>
-    <p1510:client id="{2260AC8F-9FCC-43F9-A695-F45C048FD3BE}" v="10" dt="2023-07-18T19:34:53.914"/>
+    <p1510:client id="{AFB23E5D-02A6-4283-8E87-D47666B491CD}" v="1" dt="2023-07-25T18:43:41.040"/>
+    <p1510:client id="{E47E99F1-E83F-F44D-9979-958200A57DC6}" v="467" dt="2023-07-25T23:26:05.497"/>
+    <p1510:client id="{FCC23D6E-22B1-4163-9FD8-60FA43E9FF12}" v="88" vWet="90" dt="2023-07-25T20:23:50.572"/>
   </p1510:revLst>
 </p1510:revInfo>
-</file>
-
-<file path=ppt/changesInfos/changesInfo1.xml><?xml version="1.0" encoding="utf-8"?>
-<pc:chgInfo xmlns:a="http://schemas.openxmlformats.org/drawingml/2006/main" xmlns:r="http://schemas.openxmlformats.org/officeDocument/2006/relationships" xmlns:ac="http://schemas.microsoft.com/office/drawing/2013/main/command" xmlns:pc="http://schemas.microsoft.com/office/powerpoint/2013/main/command">
-  <pc:docChgLst>
-    <pc:chgData name="中井 灯乃" userId="S::2101181@s.asojuku.ac.jp::41cbcc22-db34-4b6c-848c-f8c6bbe531d6" providerId="AD" clId="Web-{2260AC8F-9FCC-43F9-A695-F45C048FD3BE}"/>
-    <pc:docChg chg="modSld">
-      <pc:chgData name="中井 灯乃" userId="S::2101181@s.asojuku.ac.jp::41cbcc22-db34-4b6c-848c-f8c6bbe531d6" providerId="AD" clId="Web-{2260AC8F-9FCC-43F9-A695-F45C048FD3BE}" dt="2023-07-18T20:08:32.958" v="95"/>
-      <pc:docMkLst>
-        <pc:docMk/>
-      </pc:docMkLst>
-      <pc:sldChg chg="modNotes">
-        <pc:chgData name="中井 灯乃" userId="S::2101181@s.asojuku.ac.jp::41cbcc22-db34-4b6c-848c-f8c6bbe531d6" providerId="AD" clId="Web-{2260AC8F-9FCC-43F9-A695-F45C048FD3BE}" dt="2023-07-18T20:06:54.909" v="85"/>
-        <pc:sldMkLst>
-          <pc:docMk/>
-          <pc:sldMk cId="3509832583" sldId="269"/>
-        </pc:sldMkLst>
-      </pc:sldChg>
-      <pc:sldChg chg="modNotes">
-        <pc:chgData name="中井 灯乃" userId="S::2101181@s.asojuku.ac.jp::41cbcc22-db34-4b6c-848c-f8c6bbe531d6" providerId="AD" clId="Web-{2260AC8F-9FCC-43F9-A695-F45C048FD3BE}" dt="2023-07-18T19:40:07.093" v="21"/>
-        <pc:sldMkLst>
-          <pc:docMk/>
-          <pc:sldMk cId="3687445111" sldId="270"/>
-        </pc:sldMkLst>
-      </pc:sldChg>
-      <pc:sldChg chg="modNotes">
-        <pc:chgData name="中井 灯乃" userId="S::2101181@s.asojuku.ac.jp::41cbcc22-db34-4b6c-848c-f8c6bbe531d6" providerId="AD" clId="Web-{2260AC8F-9FCC-43F9-A695-F45C048FD3BE}" dt="2023-07-18T19:38:06.825" v="17"/>
-        <pc:sldMkLst>
-          <pc:docMk/>
-          <pc:sldMk cId="1775594571" sldId="271"/>
-        </pc:sldMkLst>
-      </pc:sldChg>
-      <pc:sldChg chg="modNotes">
-        <pc:chgData name="中井 灯乃" userId="S::2101181@s.asojuku.ac.jp::41cbcc22-db34-4b6c-848c-f8c6bbe531d6" providerId="AD" clId="Web-{2260AC8F-9FCC-43F9-A695-F45C048FD3BE}" dt="2023-07-18T20:08:10.911" v="93"/>
-        <pc:sldMkLst>
-          <pc:docMk/>
-          <pc:sldMk cId="2169308004" sldId="273"/>
-        </pc:sldMkLst>
-      </pc:sldChg>
-      <pc:sldChg chg="modNotes">
-        <pc:chgData name="中井 灯乃" userId="S::2101181@s.asojuku.ac.jp::41cbcc22-db34-4b6c-848c-f8c6bbe531d6" providerId="AD" clId="Web-{2260AC8F-9FCC-43F9-A695-F45C048FD3BE}" dt="2023-07-18T20:03:53.539" v="64"/>
-        <pc:sldMkLst>
-          <pc:docMk/>
-          <pc:sldMk cId="2545668583" sldId="274"/>
-        </pc:sldMkLst>
-      </pc:sldChg>
-      <pc:sldChg chg="addSp delSp modSp">
-        <pc:chgData name="中井 灯乃" userId="S::2101181@s.asojuku.ac.jp::41cbcc22-db34-4b6c-848c-f8c6bbe531d6" providerId="AD" clId="Web-{2260AC8F-9FCC-43F9-A695-F45C048FD3BE}" dt="2023-07-18T19:32:18.191" v="7"/>
-        <pc:sldMkLst>
-          <pc:docMk/>
-          <pc:sldMk cId="2132181862" sldId="275"/>
-        </pc:sldMkLst>
-        <pc:picChg chg="add mod">
-          <ac:chgData name="中井 灯乃" userId="S::2101181@s.asojuku.ac.jp::41cbcc22-db34-4b6c-848c-f8c6bbe531d6" providerId="AD" clId="Web-{2260AC8F-9FCC-43F9-A695-F45C048FD3BE}" dt="2023-07-18T19:32:18.191" v="7"/>
-          <ac:picMkLst>
-            <pc:docMk/>
-            <pc:sldMk cId="2132181862" sldId="275"/>
-            <ac:picMk id="5" creationId="{64C38694-7742-4BBA-F1FD-6887A47932C3}"/>
-          </ac:picMkLst>
-        </pc:picChg>
-        <pc:picChg chg="del">
-          <ac:chgData name="中井 灯乃" userId="S::2101181@s.asojuku.ac.jp::41cbcc22-db34-4b6c-848c-f8c6bbe531d6" providerId="AD" clId="Web-{2260AC8F-9FCC-43F9-A695-F45C048FD3BE}" dt="2023-07-18T19:31:46.081" v="0"/>
-          <ac:picMkLst>
-            <pc:docMk/>
-            <pc:sldMk cId="2132181862" sldId="275"/>
-            <ac:picMk id="6" creationId="{3C7578C6-A804-2D6B-559A-E50ABA150EAD}"/>
-          </ac:picMkLst>
-        </pc:picChg>
-      </pc:sldChg>
-      <pc:sldChg chg="modNotes">
-        <pc:chgData name="中井 灯乃" userId="S::2101181@s.asojuku.ac.jp::41cbcc22-db34-4b6c-848c-f8c6bbe531d6" providerId="AD" clId="Web-{2260AC8F-9FCC-43F9-A695-F45C048FD3BE}" dt="2023-07-18T19:58:36.547" v="51"/>
-        <pc:sldMkLst>
-          <pc:docMk/>
-          <pc:sldMk cId="1150231614" sldId="277"/>
-        </pc:sldMkLst>
-      </pc:sldChg>
-      <pc:sldChg chg="modNotes">
-        <pc:chgData name="中井 灯乃" userId="S::2101181@s.asojuku.ac.jp::41cbcc22-db34-4b6c-848c-f8c6bbe531d6" providerId="AD" clId="Web-{2260AC8F-9FCC-43F9-A695-F45C048FD3BE}" dt="2023-07-18T20:08:32.958" v="95"/>
-        <pc:sldMkLst>
-          <pc:docMk/>
-          <pc:sldMk cId="94550798" sldId="278"/>
-        </pc:sldMkLst>
-      </pc:sldChg>
-      <pc:sldChg chg="modNotes">
-        <pc:chgData name="中井 灯乃" userId="S::2101181@s.asojuku.ac.jp::41cbcc22-db34-4b6c-848c-f8c6bbe531d6" providerId="AD" clId="Web-{2260AC8F-9FCC-43F9-A695-F45C048FD3BE}" dt="2023-07-18T19:54:36.427" v="49"/>
-        <pc:sldMkLst>
-          <pc:docMk/>
-          <pc:sldMk cId="1290627637" sldId="279"/>
-        </pc:sldMkLst>
-      </pc:sldChg>
-      <pc:sldChg chg="modNotes">
-        <pc:chgData name="中井 灯乃" userId="S::2101181@s.asojuku.ac.jp::41cbcc22-db34-4b6c-848c-f8c6bbe531d6" providerId="AD" clId="Web-{2260AC8F-9FCC-43F9-A695-F45C048FD3BE}" dt="2023-07-18T20:05:12.525" v="68"/>
-        <pc:sldMkLst>
-          <pc:docMk/>
-          <pc:sldMk cId="1006939308" sldId="280"/>
-        </pc:sldMkLst>
-      </pc:sldChg>
-    </pc:docChg>
-  </pc:docChgLst>
-</pc:chgInfo>
 </file>
 
 <file path=ppt/notesMasters/notesMaster1.xml><?xml version="1.0" encoding="utf-8"?>
@@ -324,7 +226,7 @@
           <a:p>
             <a:fld id="{BC9CAFC7-E2A0-486B-93BF-02CA0A99679E}" type="datetimeFigureOut">
               <a:rPr kumimoji="1" lang="ja-JP" altLang="en-US" smtClean="0"/>
-              <a:t>2023/7/24</a:t>
+              <a:t>2023/7/26</a:t>
             </a:fld>
             <a:endParaRPr kumimoji="1" lang="ja-JP" altLang="en-US"/>
           </a:p>
@@ -668,22 +570,15 @@
           <a:lstStyle/>
           <a:p>
             <a:r>
-              <a:rPr kumimoji="1" lang="ja-JP" altLang="en-US" dirty="0"/>
+              <a:rPr kumimoji="1" lang="ja-JP" altLang="en-US"/>
               <a:t>僕たちのグループはやまったーというシステムを作りました。</a:t>
             </a:r>
             <a:endParaRPr kumimoji="1" lang="en-US" altLang="ja-JP" dirty="0"/>
           </a:p>
           <a:p>
             <a:r>
-              <a:rPr kumimoji="1" lang="ja-JP" altLang="en-US" dirty="0"/>
-              <a:t>やまったーは音楽に関する自分が発信したいことをつぶやくことができるシステムです。</a:t>
-            </a:r>
-            <a:endParaRPr kumimoji="1" lang="en-US" altLang="ja-JP" dirty="0"/>
-          </a:p>
-          <a:p>
-            <a:r>
-              <a:rPr kumimoji="1" lang="ja-JP" altLang="en-US" dirty="0"/>
-              <a:t>自分が発信することもできますが、ほかの人たちがのつぶやきを見たり返信もできます。</a:t>
+              <a:rPr kumimoji="1" lang="ja-JP" altLang="en-US"/>
+              <a:t>やまったーは音楽に関することを発信、または他のユーザーの情報を閲覧ができます</a:t>
             </a:r>
           </a:p>
         </p:txBody>
@@ -831,7 +726,7 @@
             </a:endParaRPr>
           </a:p>
           <a:p>
-            <a:endParaRPr kumimoji="1" lang="ja-JP" altLang="en-US" dirty="0"/>
+            <a:endParaRPr kumimoji="1" lang="ja-JP" altLang="en-US"/>
           </a:p>
         </p:txBody>
       </p:sp>
@@ -916,7 +811,7 @@
           <a:lstStyle/>
           <a:p>
             <a:r>
-              <a:rPr kumimoji="1" lang="ja-JP" altLang="en-US" dirty="0"/>
+              <a:rPr kumimoji="1" lang="ja-JP" altLang="en-US"/>
               <a:t>ジャンル別投稿画面でキーワード、ユーザーネーム検索をしたらヒットしたアカウントと投稿が表示されます。</a:t>
             </a:r>
           </a:p>
@@ -1003,10 +898,10 @@
           <a:lstStyle/>
           <a:p>
             <a:r>
-              <a:rPr kumimoji="1" lang="ja-JP" altLang="en-US" dirty="0"/>
+              <a:rPr kumimoji="1" lang="ja-JP" altLang="en-US"/>
               <a:t>投稿返信画面です。</a:t>
             </a:r>
-            <a:endParaRPr kumimoji="1" lang="en-US" altLang="ja-JP" dirty="0"/>
+            <a:endParaRPr kumimoji="1" lang="en-US" altLang="ja-JP"/>
           </a:p>
           <a:p>
             <a:r>
@@ -1102,14 +997,13 @@
           <a:lstStyle/>
           <a:p>
             <a:r>
-              <a:rPr kumimoji="1" lang="ja-JP" altLang="en-US" dirty="0"/>
+              <a:rPr kumimoji="1" lang="ja-JP" altLang="en-US"/>
               <a:t>投稿をクリックしたら投稿詳細画面に遷移します。</a:t>
             </a:r>
-            <a:endParaRPr kumimoji="1" lang="en-US" altLang="ja-JP" dirty="0"/>
-          </a:p>
-          <a:p>
-            <a:r>
-              <a:rPr kumimoji="1" lang="ja-JP" altLang="en-US" dirty="0"/>
+          </a:p>
+          <a:p>
+            <a:r>
+              <a:rPr kumimoji="1" lang="ja-JP" altLang="en-US"/>
               <a:t>この画面では投稿にされた返信を見ることができます。</a:t>
             </a:r>
           </a:p>
@@ -1196,7 +1090,7 @@
           <a:lstStyle/>
           <a:p>
             <a:r>
-              <a:rPr kumimoji="1" lang="ja-JP" altLang="en-US" dirty="0"/>
+              <a:rPr kumimoji="1" lang="ja-JP" altLang="en-US"/>
               <a:t>こちらはプロフィール画面です。</a:t>
             </a:r>
           </a:p>
@@ -1231,7 +1125,7 @@
             </a:r>
           </a:p>
           <a:p>
-            <a:endParaRPr lang="ja-JP" altLang="en-US" dirty="0">
+            <a:endParaRPr lang="ja-JP" altLang="en-US">
               <a:ea typeface="游ゴシック"/>
             </a:endParaRPr>
           </a:p>
@@ -1427,17 +1321,17 @@
           <a:lstStyle/>
           <a:p>
             <a:r>
-              <a:rPr kumimoji="1" lang="ja-JP" altLang="en-US" dirty="0"/>
+              <a:rPr kumimoji="1" lang="ja-JP" altLang="en-US"/>
               <a:t>プロフィール編集画面はこんな感じです。</a:t>
             </a:r>
-            <a:endParaRPr kumimoji="1" lang="en-US" altLang="ja-JP" dirty="0"/>
-          </a:p>
-          <a:p>
-            <a:r>
-              <a:rPr kumimoji="1" lang="ja-JP" altLang="en-US" dirty="0"/>
+            <a:endParaRPr kumimoji="1" lang="en-US" altLang="ja-JP"/>
+          </a:p>
+          <a:p>
+            <a:r>
+              <a:rPr kumimoji="1" lang="ja-JP" altLang="en-US"/>
               <a:t>元々入力していた名前、自己紹介、好きなジャンルが表示されている状態になるようにしています。</a:t>
             </a:r>
-            <a:endParaRPr kumimoji="1" lang="en-US" altLang="ja-JP" dirty="0"/>
+            <a:endParaRPr kumimoji="1" lang="en-US" altLang="ja-JP"/>
           </a:p>
           <a:p>
             <a:r>
@@ -1671,10 +1565,10 @@
           <a:lstStyle/>
           <a:p>
             <a:r>
-              <a:rPr kumimoji="1" lang="ja-JP" altLang="en-US" dirty="0"/>
+              <a:rPr kumimoji="1" lang="ja-JP" altLang="en-US"/>
               <a:t>アカウント削除のボタンを押すとアカウント削除画面に遷移します。</a:t>
             </a:r>
-            <a:endParaRPr kumimoji="1" lang="en-US" altLang="ja-JP" dirty="0"/>
+            <a:endParaRPr kumimoji="1" lang="en-US" altLang="ja-JP"/>
           </a:p>
           <a:p>
             <a:r>
@@ -1701,14 +1595,14 @@
           </a:p>
           <a:p>
             <a:r>
-              <a:rPr kumimoji="1" lang="ja-JP" altLang="en-US" dirty="0"/>
+              <a:rPr kumimoji="1" lang="ja-JP" altLang="en-US"/>
               <a:t>以上でやまったーの一通りのシステムの説明は終わります。</a:t>
             </a:r>
-            <a:endParaRPr kumimoji="1" lang="en-US" altLang="ja-JP" dirty="0"/>
-          </a:p>
-          <a:p>
-            <a:r>
-              <a:rPr kumimoji="1" lang="ja-JP" altLang="en-US" dirty="0"/>
+            <a:endParaRPr kumimoji="1" lang="en-US" altLang="ja-JP"/>
+          </a:p>
+          <a:p>
+            <a:r>
+              <a:rPr kumimoji="1" lang="ja-JP" altLang="en-US"/>
               <a:t>では実際にシステムを動かしていきたいと思います。</a:t>
             </a:r>
           </a:p>
@@ -1794,7 +1688,7 @@
           <a:bodyPr/>
           <a:lstStyle/>
           <a:p>
-            <a:endParaRPr kumimoji="1" lang="ja-JP" altLang="en-US" dirty="0"/>
+            <a:endParaRPr kumimoji="1" lang="ja-JP" altLang="en-US"/>
           </a:p>
         </p:txBody>
       </p:sp>
@@ -1878,7 +1772,7 @@
           <a:bodyPr/>
           <a:lstStyle/>
           <a:p>
-            <a:endParaRPr kumimoji="1" lang="ja-JP" altLang="en-US" dirty="0"/>
+            <a:endParaRPr kumimoji="1" lang="ja-JP" altLang="en-US"/>
           </a:p>
         </p:txBody>
       </p:sp>
@@ -1963,7 +1857,7 @@
           <a:lstStyle/>
           <a:p>
             <a:r>
-              <a:rPr kumimoji="1" lang="ja-JP" altLang="en-US" dirty="0"/>
+              <a:rPr kumimoji="1" lang="ja-JP" altLang="en-US"/>
               <a:t>役割はこんな感じです。</a:t>
             </a:r>
           </a:p>
@@ -2050,27 +1944,16 @@
           <a:lstStyle/>
           <a:p>
             <a:r>
-              <a:rPr kumimoji="1" lang="ja-JP" altLang="en-US" dirty="0"/>
+              <a:rPr kumimoji="1" lang="ja-JP" altLang="en-US"/>
               <a:t>こちらは機能一覧です。</a:t>
             </a:r>
             <a:endParaRPr kumimoji="1" lang="en-US" altLang="ja-JP" dirty="0"/>
           </a:p>
           <a:p>
             <a:r>
-              <a:rPr kumimoji="1" lang="ja-JP" altLang="en-US" dirty="0"/>
-              <a:t>～機能をちゃちゃっと読む～</a:t>
-            </a:r>
-            <a:endParaRPr kumimoji="1" lang="en-US" altLang="ja-JP" dirty="0"/>
-          </a:p>
-          <a:p>
-            <a:r>
-              <a:rPr kumimoji="1" lang="ja-JP" altLang="en-US" dirty="0"/>
-              <a:t>次のスライドから各画面とその画面にある機能について説明します。</a:t>
-            </a:r>
-            <a:endParaRPr kumimoji="1" lang="en-US" altLang="ja-JP" dirty="0"/>
-          </a:p>
-          <a:p>
-            <a:endParaRPr kumimoji="1" lang="ja-JP" altLang="en-US" dirty="0"/>
+              <a:rPr kumimoji="1" lang="ja-JP" altLang="en-US"/>
+              <a:t>下線のついてある機能はやまったーの特徴的な機能です</a:t>
+            </a:r>
           </a:p>
         </p:txBody>
       </p:sp>
@@ -2155,21 +2038,21 @@
           <a:lstStyle/>
           <a:p>
             <a:r>
-              <a:rPr kumimoji="1" lang="ja-JP" altLang="en-US" dirty="0"/>
+              <a:rPr kumimoji="1" lang="ja-JP" altLang="en-US"/>
               <a:t>まず、トップ画面です。</a:t>
             </a:r>
             <a:endParaRPr kumimoji="1" lang="en-US" altLang="ja-JP" dirty="0"/>
           </a:p>
           <a:p>
             <a:r>
-              <a:rPr kumimoji="1" lang="ja-JP" altLang="en-US" dirty="0"/>
+              <a:rPr kumimoji="1" lang="ja-JP" altLang="en-US"/>
               <a:t>やまったーのロゴが書いてある画面が表示されます。</a:t>
             </a:r>
             <a:endParaRPr kumimoji="1" lang="en-US" altLang="ja-JP" dirty="0"/>
           </a:p>
           <a:p>
             <a:r>
-              <a:rPr kumimoji="1" lang="ja-JP" altLang="en-US" dirty="0"/>
+              <a:rPr kumimoji="1" lang="ja-JP" altLang="en-US"/>
               <a:t>クリックするとログイン画面に遷移します。</a:t>
             </a:r>
           </a:p>
@@ -2256,24 +2139,24 @@
           <a:lstStyle/>
           <a:p>
             <a:r>
-              <a:rPr kumimoji="1" lang="ja-JP" altLang="en-US" dirty="0"/>
+              <a:rPr kumimoji="1" lang="ja-JP" altLang="en-US"/>
               <a:t>こちらがログイン画面です。</a:t>
             </a:r>
-            <a:endParaRPr kumimoji="1" lang="en-US" altLang="ja-JP" dirty="0"/>
-          </a:p>
-          <a:p>
-            <a:r>
-              <a:rPr kumimoji="1" lang="ja-JP" altLang="en-US" dirty="0"/>
+            <a:endParaRPr kumimoji="1" lang="en-US" altLang="ja-JP"/>
+          </a:p>
+          <a:p>
+            <a:r>
+              <a:rPr kumimoji="1" lang="ja-JP" altLang="en-US"/>
               <a:t>登録していればメールアドレスとパスワードを入力することでログインできます。その時メールアドレスまたはパスワードが不正だった場合は下の画像のようにエラーメッセージが表示されます。</a:t>
             </a:r>
-            <a:endParaRPr kumimoji="1" lang="en-US" altLang="ja-JP" dirty="0"/>
-          </a:p>
-          <a:p>
-            <a:r>
-              <a:rPr kumimoji="1" lang="ja-JP" altLang="en-US" dirty="0"/>
+            <a:endParaRPr kumimoji="1" lang="en-US" altLang="ja-JP"/>
+          </a:p>
+          <a:p>
+            <a:r>
+              <a:rPr kumimoji="1" lang="ja-JP" altLang="en-US"/>
               <a:t>登録していない場合はログインボタンの下にある新規登録をクリックすると新規登録画面へいきます。</a:t>
             </a:r>
-            <a:endParaRPr kumimoji="1" lang="en-US" altLang="ja-JP" dirty="0"/>
+            <a:endParaRPr kumimoji="1" lang="en-US" altLang="ja-JP"/>
           </a:p>
         </p:txBody>
       </p:sp>
@@ -2358,14 +2241,14 @@
           <a:lstStyle/>
           <a:p>
             <a:r>
-              <a:rPr kumimoji="1" lang="ja-JP" altLang="en-US" dirty="0"/>
+              <a:rPr kumimoji="1" lang="ja-JP" altLang="en-US"/>
               <a:t>新規登録画面です。</a:t>
             </a:r>
             <a:endParaRPr kumimoji="1" lang="en-US" altLang="ja-JP" dirty="0"/>
           </a:p>
           <a:p>
             <a:r>
-              <a:rPr kumimoji="1" lang="ja-JP" altLang="en-US" dirty="0"/>
+              <a:rPr kumimoji="1" lang="ja-JP" altLang="en-US"/>
               <a:t>メールアドレス、パスワード、ユーザーネームを入力して登録ボタンを押してください。</a:t>
             </a:r>
             <a:endParaRPr kumimoji="1" lang="en-US" altLang="ja-JP" dirty="0"/>
@@ -2421,7 +2304,7 @@
               </a:rPr>
               <a:t>エラーメッセージが表示されます。</a:t>
             </a:r>
-            <a:endParaRPr lang="en-US" altLang="ja-JP">
+            <a:endParaRPr lang="en-US" altLang="ja-JP" dirty="0">
               <a:ea typeface="游ゴシック"/>
             </a:endParaRPr>
           </a:p>
@@ -2508,40 +2391,27 @@
           <a:lstStyle/>
           <a:p>
             <a:r>
-              <a:rPr kumimoji="1" lang="ja-JP" altLang="en-US" dirty="0"/>
+              <a:rPr kumimoji="1" lang="ja-JP" altLang="en-US"/>
               <a:t>新規登録をすると次にプロフィール設定画面に遷移します。</a:t>
             </a:r>
             <a:endParaRPr kumimoji="1" lang="en-US" altLang="ja-JP" dirty="0"/>
           </a:p>
           <a:p>
             <a:r>
-              <a:rPr kumimoji="1" lang="ja-JP" altLang="en-US" dirty="0"/>
+              <a:rPr kumimoji="1" lang="ja-JP" altLang="en-US"/>
               <a:t>ここでアイコン、自己紹介、音楽の好きなジャンルを設定できます。下の画像が入力後の画面です。</a:t>
             </a:r>
             <a:endParaRPr kumimoji="1" lang="en-US" altLang="ja-JP" dirty="0"/>
           </a:p>
           <a:p>
             <a:r>
-              <a:rPr lang="ja-JP" altLang="en-US">
-                <a:ea typeface="游ゴシック"/>
-              </a:rPr>
-              <a:t>入力は任意なので</a:t>
-            </a:r>
-            <a:r>
-              <a:rPr kumimoji="1" lang="ja-JP" altLang="en-US">
-                <a:ea typeface="游ゴシック"/>
-              </a:rPr>
-              <a:t>スキップを押し入力せずに進むことも可能です。</a:t>
-            </a:r>
-            <a:endParaRPr kumimoji="1" lang="en-US" altLang="ja-JP">
-              <a:ea typeface="游ゴシック"/>
-            </a:endParaRPr>
-          </a:p>
-          <a:p>
+              <a:rPr kumimoji="1" lang="ja-JP" altLang="en-US"/>
+              <a:t>またここは任意なので入力をせずに登録ボタンを押すことができます。</a:t>
+            </a:r>
             <a:endParaRPr kumimoji="1" lang="en-US" altLang="ja-JP" dirty="0"/>
           </a:p>
           <a:p>
-            <a:endParaRPr kumimoji="1" lang="ja-JP" altLang="en-US" dirty="0"/>
+            <a:endParaRPr kumimoji="1" lang="ja-JP" altLang="en-US"/>
           </a:p>
         </p:txBody>
       </p:sp>
@@ -2626,27 +2496,9 @@
           <a:lstStyle/>
           <a:p>
             <a:r>
-              <a:rPr kumimoji="1" lang="ja-JP" altLang="en-US" dirty="0"/>
-              <a:t>プロフィール設定画面でプロフィールを設定するとジャンル別投稿一覧画面に遷移し、新規登録をせずログインした場合もこの画面に遷移します。</a:t>
-            </a:r>
-            <a:endParaRPr kumimoji="1" lang="en-US" altLang="ja-JP" dirty="0"/>
-          </a:p>
-          <a:p>
-            <a:r>
-              <a:rPr kumimoji="1" lang="ja-JP" altLang="en-US" dirty="0"/>
-              <a:t>この画面はみんなの投稿をジャンルごとに見ることができます。ピンクになっているジャンルが今表示されています。</a:t>
-            </a:r>
-            <a:endParaRPr kumimoji="1" lang="en-US" altLang="ja-JP" dirty="0"/>
-          </a:p>
-          <a:p>
-            <a:r>
-              <a:rPr kumimoji="1" lang="ja-JP" altLang="en-US" dirty="0"/>
-              <a:t>投稿の上にある検索フォームでキーワード検索、ユーザー検索ができます。</a:t>
-            </a:r>
-            <a:endParaRPr kumimoji="1" lang="en-US" altLang="ja-JP" dirty="0"/>
-          </a:p>
-          <a:p>
-            <a:endParaRPr kumimoji="1" lang="ja-JP" altLang="en-US" dirty="0"/>
+              <a:rPr kumimoji="1" lang="ja-JP" altLang="en-US"/>
+              <a:t>みたいジャンルごとに各ユーザーが投稿した投稿を見ることができます。</a:t>
+            </a:r>
           </a:p>
         </p:txBody>
       </p:sp>
@@ -2833,7 +2685,7 @@
           <a:p>
             <a:fld id="{DFDFEDEA-7941-407E-A198-D21F880E40F3}" type="datetimeFigureOut">
               <a:rPr kumimoji="1" lang="ja-JP" altLang="en-US" smtClean="0"/>
-              <a:t>2023/7/24</a:t>
+              <a:t>2023/7/26</a:t>
             </a:fld>
             <a:endParaRPr kumimoji="1" lang="ja-JP" altLang="en-US"/>
           </a:p>
@@ -3063,7 +2915,7 @@
           <a:p>
             <a:fld id="{DFDFEDEA-7941-407E-A198-D21F880E40F3}" type="datetimeFigureOut">
               <a:rPr kumimoji="1" lang="ja-JP" altLang="en-US" smtClean="0"/>
-              <a:t>2023/7/24</a:t>
+              <a:t>2023/7/26</a:t>
             </a:fld>
             <a:endParaRPr kumimoji="1" lang="ja-JP" altLang="en-US"/>
           </a:p>
@@ -3303,7 +3155,7 @@
           <a:p>
             <a:fld id="{DFDFEDEA-7941-407E-A198-D21F880E40F3}" type="datetimeFigureOut">
               <a:rPr kumimoji="1" lang="ja-JP" altLang="en-US" smtClean="0"/>
-              <a:t>2023/7/24</a:t>
+              <a:t>2023/7/26</a:t>
             </a:fld>
             <a:endParaRPr kumimoji="1" lang="ja-JP" altLang="en-US"/>
           </a:p>
@@ -3533,7 +3385,7 @@
           <a:p>
             <a:fld id="{DFDFEDEA-7941-407E-A198-D21F880E40F3}" type="datetimeFigureOut">
               <a:rPr kumimoji="1" lang="ja-JP" altLang="en-US" smtClean="0"/>
-              <a:t>2023/7/24</a:t>
+              <a:t>2023/7/26</a:t>
             </a:fld>
             <a:endParaRPr kumimoji="1" lang="ja-JP" altLang="en-US"/>
           </a:p>
@@ -3808,7 +3660,7 @@
           <a:p>
             <a:fld id="{DFDFEDEA-7941-407E-A198-D21F880E40F3}" type="datetimeFigureOut">
               <a:rPr kumimoji="1" lang="ja-JP" altLang="en-US" smtClean="0"/>
-              <a:t>2023/7/24</a:t>
+              <a:t>2023/7/26</a:t>
             </a:fld>
             <a:endParaRPr kumimoji="1" lang="ja-JP" altLang="en-US"/>
           </a:p>
@@ -4137,7 +3989,7 @@
           <a:p>
             <a:fld id="{DFDFEDEA-7941-407E-A198-D21F880E40F3}" type="datetimeFigureOut">
               <a:rPr kumimoji="1" lang="ja-JP" altLang="en-US" smtClean="0"/>
-              <a:t>2023/7/24</a:t>
+              <a:t>2023/7/26</a:t>
             </a:fld>
             <a:endParaRPr kumimoji="1" lang="ja-JP" altLang="en-US"/>
           </a:p>
@@ -4613,7 +4465,7 @@
           <a:p>
             <a:fld id="{DFDFEDEA-7941-407E-A198-D21F880E40F3}" type="datetimeFigureOut">
               <a:rPr kumimoji="1" lang="ja-JP" altLang="en-US" smtClean="0"/>
-              <a:t>2023/7/24</a:t>
+              <a:t>2023/7/26</a:t>
             </a:fld>
             <a:endParaRPr kumimoji="1" lang="ja-JP" altLang="en-US"/>
           </a:p>
@@ -4754,7 +4606,7 @@
           <a:p>
             <a:fld id="{DFDFEDEA-7941-407E-A198-D21F880E40F3}" type="datetimeFigureOut">
               <a:rPr kumimoji="1" lang="ja-JP" altLang="en-US" smtClean="0"/>
-              <a:t>2023/7/24</a:t>
+              <a:t>2023/7/26</a:t>
             </a:fld>
             <a:endParaRPr kumimoji="1" lang="ja-JP" altLang="en-US"/>
           </a:p>
@@ -4867,7 +4719,7 @@
           <a:p>
             <a:fld id="{DFDFEDEA-7941-407E-A198-D21F880E40F3}" type="datetimeFigureOut">
               <a:rPr kumimoji="1" lang="ja-JP" altLang="en-US" smtClean="0"/>
-              <a:t>2023/7/24</a:t>
+              <a:t>2023/7/26</a:t>
             </a:fld>
             <a:endParaRPr kumimoji="1" lang="ja-JP" altLang="en-US"/>
           </a:p>
@@ -5210,7 +5062,7 @@
           <a:p>
             <a:fld id="{DFDFEDEA-7941-407E-A198-D21F880E40F3}" type="datetimeFigureOut">
               <a:rPr kumimoji="1" lang="ja-JP" altLang="en-US" smtClean="0"/>
-              <a:t>2023/7/24</a:t>
+              <a:t>2023/7/26</a:t>
             </a:fld>
             <a:endParaRPr kumimoji="1" lang="ja-JP" altLang="en-US"/>
           </a:p>
@@ -5498,7 +5350,7 @@
           <a:p>
             <a:fld id="{DFDFEDEA-7941-407E-A198-D21F880E40F3}" type="datetimeFigureOut">
               <a:rPr kumimoji="1" lang="ja-JP" altLang="en-US" smtClean="0"/>
-              <a:t>2023/7/24</a:t>
+              <a:t>2023/7/26</a:t>
             </a:fld>
             <a:endParaRPr kumimoji="1" lang="ja-JP" altLang="en-US"/>
           </a:p>
@@ -5771,7 +5623,7 @@
           <a:p>
             <a:fld id="{DFDFEDEA-7941-407E-A198-D21F880E40F3}" type="datetimeFigureOut">
               <a:rPr kumimoji="1" lang="ja-JP" altLang="en-US" smtClean="0"/>
-              <a:t>2023/7/24</a:t>
+              <a:t>2023/7/26</a:t>
             </a:fld>
             <a:endParaRPr kumimoji="1" lang="ja-JP" altLang="en-US"/>
           </a:p>
@@ -6248,7 +6100,7 @@
           <a:lstStyle/>
           <a:p>
             <a:r>
-              <a:rPr lang="ja-JP" altLang="en-US" sz="8000" b="1" dirty="0">
+              <a:rPr lang="ja-JP" altLang="en-US" sz="8000" b="1">
                 <a:solidFill>
                   <a:schemeClr val="bg1"/>
                 </a:solidFill>
@@ -6283,11 +6135,11 @@
           </a:bodyPr>
           <a:lstStyle/>
           <a:p>
-            <a:endParaRPr lang="en-US" altLang="ja-JP" sz="2800" dirty="0"/>
-          </a:p>
-          <a:p>
-            <a:r>
-              <a:rPr lang="ja-JP" altLang="en-US" sz="2800" b="1" dirty="0">
+            <a:endParaRPr lang="en-US" altLang="ja-JP" sz="2800"/>
+          </a:p>
+          <a:p>
+            <a:r>
+              <a:rPr lang="ja-JP" altLang="en-US" sz="2800" b="1">
                 <a:solidFill>
                   <a:schemeClr val="bg1"/>
                 </a:solidFill>
@@ -6297,17 +6149,17 @@
               <a:t>～　やまったー　～</a:t>
             </a:r>
             <a:br>
-              <a:rPr lang="en-US" altLang="ja-JP" b="1" dirty="0"/>
+              <a:rPr lang="en-US" altLang="ja-JP" b="1"/>
             </a:br>
-            <a:endParaRPr lang="en-US" altLang="ja-JP" b="1" dirty="0"/>
-          </a:p>
-          <a:p>
-            <a:r>
-              <a:rPr lang="en-US" altLang="ja-JP" b="1" dirty="0"/>
+            <a:endParaRPr lang="en-US" altLang="ja-JP" b="1"/>
+          </a:p>
+          <a:p>
+            <a:r>
+              <a:rPr lang="en-US" altLang="ja-JP" b="1"/>
               <a:t>							</a:t>
             </a:r>
             <a:r>
-              <a:rPr lang="en-US" altLang="ja-JP" b="1" dirty="0">
+              <a:rPr lang="en-US" altLang="ja-JP" b="1">
                 <a:solidFill>
                   <a:schemeClr val="bg1"/>
                 </a:solidFill>
@@ -6315,7 +6167,7 @@
               <a:t>PL</a:t>
             </a:r>
             <a:r>
-              <a:rPr lang="ja-JP" altLang="en-US" b="1" dirty="0">
+              <a:rPr lang="ja-JP" altLang="en-US" b="1">
                 <a:solidFill>
                   <a:schemeClr val="bg1"/>
                 </a:solidFill>
@@ -6474,7 +6326,7 @@
           <a:lstStyle/>
           <a:p>
             <a:r>
-              <a:rPr lang="ja-JP" altLang="en-US" sz="2800" b="1" dirty="0">
+              <a:rPr lang="ja-JP" altLang="en-US" sz="2800" b="1">
                 <a:solidFill>
                   <a:schemeClr val="bg1"/>
                 </a:solidFill>
@@ -6515,37 +6367,37 @@
           <a:lstStyle/>
           <a:p>
             <a:r>
-              <a:rPr lang="ja-JP" altLang="en-US" sz="2400" b="1" dirty="0">
+              <a:rPr lang="ja-JP" altLang="en-US" sz="2400" b="1">
                 <a:solidFill>
                   <a:schemeClr val="bg1"/>
                 </a:solidFill>
               </a:rPr>
               <a:t>▍投稿表示機能</a:t>
             </a:r>
-            <a:endParaRPr lang="en-US" altLang="ja-JP" sz="2400" b="1" dirty="0">
-              <a:solidFill>
-                <a:schemeClr val="bg1"/>
-              </a:solidFill>
-            </a:endParaRPr>
-          </a:p>
-          <a:p>
-            <a:r>
-              <a:rPr lang="ja-JP" altLang="en-US" sz="2000" b="1" dirty="0">
+            <a:endParaRPr lang="en-US" altLang="ja-JP" sz="2400" b="1">
+              <a:solidFill>
+                <a:schemeClr val="bg1"/>
+              </a:solidFill>
+            </a:endParaRPr>
+          </a:p>
+          <a:p>
+            <a:r>
+              <a:rPr lang="ja-JP" altLang="en-US" sz="2000" b="1">
                 <a:solidFill>
                   <a:schemeClr val="bg1"/>
                 </a:solidFill>
               </a:rPr>
               <a:t>　投稿をジャンルごとに表示</a:t>
             </a:r>
-            <a:endParaRPr lang="en-US" altLang="ja-JP" sz="2000" b="1" dirty="0">
-              <a:solidFill>
-                <a:schemeClr val="bg1"/>
-              </a:solidFill>
-            </a:endParaRPr>
-          </a:p>
-          <a:p>
-            <a:r>
-              <a:rPr lang="ja-JP" altLang="en-US" sz="2000" b="1" dirty="0">
+            <a:endParaRPr lang="en-US" altLang="ja-JP" sz="2000" b="1">
+              <a:solidFill>
+                <a:schemeClr val="bg1"/>
+              </a:solidFill>
+            </a:endParaRPr>
+          </a:p>
+          <a:p>
+            <a:r>
+              <a:rPr lang="ja-JP" altLang="en-US" sz="2000" b="1">
                 <a:solidFill>
                   <a:schemeClr val="bg1"/>
                 </a:solidFill>
@@ -6553,7 +6405,7 @@
               <a:t>（すべて、その他、他</a:t>
             </a:r>
             <a:r>
-              <a:rPr lang="en-US" altLang="ja-JP" sz="2000" b="1" dirty="0">
+              <a:rPr lang="en-US" altLang="ja-JP" sz="2000" b="1">
                 <a:solidFill>
                   <a:schemeClr val="bg1"/>
                 </a:solidFill>
@@ -6561,44 +6413,44 @@
               <a:t>8</a:t>
             </a:r>
             <a:r>
-              <a:rPr lang="ja-JP" altLang="en-US" sz="2000" b="1" dirty="0">
+              <a:rPr lang="ja-JP" altLang="en-US" sz="2000" b="1">
                 <a:solidFill>
                   <a:schemeClr val="bg1"/>
                 </a:solidFill>
               </a:rPr>
               <a:t>種類）</a:t>
             </a:r>
-            <a:endParaRPr lang="en-US" altLang="ja-JP" sz="2000" b="1" dirty="0">
-              <a:solidFill>
-                <a:schemeClr val="bg1"/>
-              </a:solidFill>
-            </a:endParaRPr>
-          </a:p>
-          <a:p>
-            <a:endParaRPr lang="en-US" altLang="ja-JP" sz="2000" b="1" dirty="0">
-              <a:solidFill>
-                <a:schemeClr val="bg1"/>
-              </a:solidFill>
-            </a:endParaRPr>
-          </a:p>
-          <a:p>
-            <a:r>
-              <a:rPr lang="ja-JP" altLang="en-US" sz="2400" b="1" dirty="0">
+            <a:endParaRPr lang="en-US" altLang="ja-JP" sz="2000" b="1">
+              <a:solidFill>
+                <a:schemeClr val="bg1"/>
+              </a:solidFill>
+            </a:endParaRPr>
+          </a:p>
+          <a:p>
+            <a:endParaRPr lang="en-US" altLang="ja-JP" sz="2000" b="1">
+              <a:solidFill>
+                <a:schemeClr val="bg1"/>
+              </a:solidFill>
+            </a:endParaRPr>
+          </a:p>
+          <a:p>
+            <a:r>
+              <a:rPr lang="ja-JP" altLang="en-US" sz="2400" b="1">
                 <a:solidFill>
                   <a:schemeClr val="bg1"/>
                 </a:solidFill>
               </a:rPr>
               <a:t>▍キーワード検索機能</a:t>
             </a:r>
-            <a:endParaRPr lang="en-US" altLang="ja-JP" sz="2400" b="1" dirty="0">
-              <a:solidFill>
-                <a:schemeClr val="bg1"/>
-              </a:solidFill>
-            </a:endParaRPr>
-          </a:p>
-          <a:p>
-            <a:r>
-              <a:rPr lang="ja-JP" altLang="en-US" sz="2400" b="1" dirty="0">
+            <a:endParaRPr lang="en-US" altLang="ja-JP" sz="2400" b="1">
+              <a:solidFill>
+                <a:schemeClr val="bg1"/>
+              </a:solidFill>
+            </a:endParaRPr>
+          </a:p>
+          <a:p>
+            <a:r>
+              <a:rPr lang="ja-JP" altLang="en-US" sz="2400" b="1">
                 <a:solidFill>
                   <a:schemeClr val="bg1"/>
                 </a:solidFill>
@@ -6606,22 +6458,22 @@
               <a:t>　</a:t>
             </a:r>
             <a:r>
-              <a:rPr lang="ja-JP" altLang="en-US" sz="2000" b="1" dirty="0">
+              <a:rPr lang="ja-JP" altLang="en-US" sz="2000" b="1">
                 <a:solidFill>
                   <a:schemeClr val="bg1"/>
                 </a:solidFill>
               </a:rPr>
               <a:t>キーワードを入力、検索</a:t>
             </a:r>
-            <a:endParaRPr lang="en-US" altLang="ja-JP" sz="2000" b="1" dirty="0">
-              <a:solidFill>
-                <a:schemeClr val="bg1"/>
-              </a:solidFill>
-            </a:endParaRPr>
-          </a:p>
-          <a:p>
-            <a:r>
-              <a:rPr lang="en-US" altLang="ja-JP" sz="2000" b="1" dirty="0">
+            <a:endParaRPr lang="en-US" altLang="ja-JP" sz="2000" b="1">
+              <a:solidFill>
+                <a:schemeClr val="bg1"/>
+              </a:solidFill>
+            </a:endParaRPr>
+          </a:p>
+          <a:p>
+            <a:r>
+              <a:rPr lang="en-US" altLang="ja-JP" sz="2000" b="1">
                 <a:solidFill>
                   <a:schemeClr val="bg1"/>
                 </a:solidFill>
@@ -6629,59 +6481,59 @@
               <a:t>       </a:t>
             </a:r>
             <a:r>
-              <a:rPr lang="ja-JP" altLang="en-US" sz="2000" b="1" dirty="0">
+              <a:rPr lang="ja-JP" altLang="en-US" sz="2000" b="1">
                 <a:solidFill>
                   <a:schemeClr val="bg1"/>
                 </a:solidFill>
               </a:rPr>
               <a:t>→ 検索結果表示画面へ</a:t>
             </a:r>
-            <a:endParaRPr lang="en-US" altLang="ja-JP" sz="2000" b="1" dirty="0">
-              <a:solidFill>
-                <a:schemeClr val="bg1"/>
-              </a:solidFill>
-            </a:endParaRPr>
-          </a:p>
-          <a:p>
-            <a:endParaRPr lang="en-US" altLang="ja-JP" sz="2000" b="1" dirty="0">
-              <a:solidFill>
-                <a:schemeClr val="bg1"/>
-              </a:solidFill>
-            </a:endParaRPr>
-          </a:p>
-          <a:p>
-            <a:r>
-              <a:rPr lang="ja-JP" altLang="en-US" sz="2400" b="1" dirty="0">
+            <a:endParaRPr lang="en-US" altLang="ja-JP" sz="2000" b="1">
+              <a:solidFill>
+                <a:schemeClr val="bg1"/>
+              </a:solidFill>
+            </a:endParaRPr>
+          </a:p>
+          <a:p>
+            <a:endParaRPr lang="en-US" altLang="ja-JP" sz="2000" b="1">
+              <a:solidFill>
+                <a:schemeClr val="bg1"/>
+              </a:solidFill>
+            </a:endParaRPr>
+          </a:p>
+          <a:p>
+            <a:r>
+              <a:rPr lang="ja-JP" altLang="en-US" sz="2400" b="1">
                 <a:solidFill>
                   <a:schemeClr val="bg1"/>
                 </a:solidFill>
               </a:rPr>
               <a:t>▍ユーザー検索機能</a:t>
             </a:r>
-            <a:endParaRPr lang="en-US" altLang="ja-JP" sz="2400" b="1" dirty="0">
-              <a:solidFill>
-                <a:schemeClr val="bg1"/>
-              </a:solidFill>
-            </a:endParaRPr>
-          </a:p>
-          <a:p>
-            <a:r>
-              <a:rPr lang="ja-JP" altLang="en-US" sz="1900" b="1" dirty="0">
+            <a:endParaRPr lang="en-US" altLang="ja-JP" sz="2400" b="1">
+              <a:solidFill>
+                <a:schemeClr val="bg1"/>
+              </a:solidFill>
+            </a:endParaRPr>
+          </a:p>
+          <a:p>
+            <a:r>
+              <a:rPr lang="ja-JP" altLang="en-US" sz="1900" b="1">
                 <a:solidFill>
                   <a:schemeClr val="bg1"/>
                 </a:solidFill>
               </a:rPr>
               <a:t>　ユーザーネームを入力、検索</a:t>
             </a:r>
-            <a:endParaRPr lang="en-US" altLang="ja-JP" sz="1900" b="1" dirty="0">
-              <a:solidFill>
-                <a:schemeClr val="bg1"/>
-              </a:solidFill>
-            </a:endParaRPr>
-          </a:p>
-          <a:p>
-            <a:r>
-              <a:rPr lang="en-US" altLang="ja-JP" sz="1900" b="1" dirty="0">
+            <a:endParaRPr lang="en-US" altLang="ja-JP" sz="1900" b="1">
+              <a:solidFill>
+                <a:schemeClr val="bg1"/>
+              </a:solidFill>
+            </a:endParaRPr>
+          </a:p>
+          <a:p>
+            <a:r>
+              <a:rPr lang="en-US" altLang="ja-JP" sz="1900" b="1">
                 <a:solidFill>
                   <a:schemeClr val="bg1"/>
                 </a:solidFill>
@@ -6689,14 +6541,14 @@
               <a:t>       </a:t>
             </a:r>
             <a:r>
-              <a:rPr lang="ja-JP" altLang="en-US" sz="1900" b="1" dirty="0">
+              <a:rPr lang="ja-JP" altLang="en-US" sz="1900" b="1">
                 <a:solidFill>
                   <a:schemeClr val="bg1"/>
                 </a:solidFill>
               </a:rPr>
               <a:t>→ 検索結果表示画面へ</a:t>
             </a:r>
-            <a:endParaRPr lang="en-US" altLang="ja-JP" sz="2400" b="1" dirty="0">
+            <a:endParaRPr lang="en-US" altLang="ja-JP" sz="2400" b="1">
               <a:solidFill>
                 <a:schemeClr val="bg1"/>
               </a:solidFill>
@@ -6707,7 +6559,7 @@
               <a:buFont typeface="Arial" panose="020B0604020202020204" pitchFamily="34" charset="0"/>
               <a:buChar char="•"/>
             </a:pPr>
-            <a:endParaRPr lang="en-US" altLang="ja-JP" sz="2400" b="1" dirty="0">
+            <a:endParaRPr lang="en-US" altLang="ja-JP" sz="2400" b="1">
               <a:solidFill>
                 <a:schemeClr val="bg1"/>
               </a:solidFill>
@@ -6718,7 +6570,7 @@
               <a:buFont typeface="Arial" panose="020B0604020202020204" pitchFamily="34" charset="0"/>
               <a:buChar char="•"/>
             </a:pPr>
-            <a:endParaRPr lang="en-US" altLang="ja-JP" sz="2400" b="1" dirty="0">
+            <a:endParaRPr lang="en-US" altLang="ja-JP" sz="2400" b="1">
               <a:solidFill>
                 <a:schemeClr val="bg1"/>
               </a:solidFill>
@@ -6729,14 +6581,14 @@
               <a:buFont typeface="Arial" panose="020B0604020202020204" pitchFamily="34" charset="0"/>
               <a:buChar char="•"/>
             </a:pPr>
-            <a:endParaRPr lang="en-US" altLang="ja-JP" sz="2400" b="1" dirty="0">
-              <a:solidFill>
-                <a:schemeClr val="bg1"/>
-              </a:solidFill>
-            </a:endParaRPr>
-          </a:p>
-          <a:p>
-            <a:endParaRPr lang="en-US" altLang="ja-JP" sz="2000" b="1" dirty="0">
+            <a:endParaRPr lang="en-US" altLang="ja-JP" sz="2400" b="1">
+              <a:solidFill>
+                <a:schemeClr val="bg1"/>
+              </a:solidFill>
+            </a:endParaRPr>
+          </a:p>
+          <a:p>
+            <a:endParaRPr lang="en-US" altLang="ja-JP" sz="2000" b="1">
               <a:solidFill>
                 <a:schemeClr val="bg1"/>
               </a:solidFill>
@@ -6991,7 +6843,7 @@
           <a:lstStyle/>
           <a:p>
             <a:r>
-              <a:rPr lang="ja-JP" altLang="en-US" sz="2800" b="1" dirty="0">
+              <a:rPr lang="ja-JP" altLang="en-US" sz="2800" b="1">
                 <a:solidFill>
                   <a:schemeClr val="bg1"/>
                 </a:solidFill>
@@ -7037,14 +6889,14 @@
               </a:lnSpc>
             </a:pPr>
             <a:r>
-              <a:rPr lang="ja-JP" altLang="en-US" sz="2600" b="1" dirty="0">
+              <a:rPr lang="ja-JP" altLang="en-US" sz="2600" b="1">
                 <a:solidFill>
                   <a:schemeClr val="bg1"/>
                 </a:solidFill>
               </a:rPr>
               <a:t>▍いいね機能</a:t>
             </a:r>
-            <a:endParaRPr lang="en-US" altLang="ja-JP" sz="2600" b="1" dirty="0">
+            <a:endParaRPr lang="en-US" altLang="ja-JP" sz="2600" b="1">
               <a:solidFill>
                 <a:schemeClr val="bg1"/>
               </a:solidFill>
@@ -7057,14 +6909,14 @@
               </a:lnSpc>
             </a:pPr>
             <a:r>
-              <a:rPr lang="ja-JP" altLang="en-US" sz="2600" b="1" dirty="0">
+              <a:rPr lang="ja-JP" altLang="en-US" sz="2600" b="1">
                 <a:solidFill>
                   <a:schemeClr val="bg1"/>
                 </a:solidFill>
               </a:rPr>
               <a:t>　♡を押すと赤くなる</a:t>
             </a:r>
-            <a:endParaRPr lang="en-US" altLang="ja-JP" sz="2600" b="1" dirty="0">
+            <a:endParaRPr lang="en-US" altLang="ja-JP" sz="2600" b="1">
               <a:solidFill>
                 <a:schemeClr val="bg1"/>
               </a:solidFill>
@@ -7077,14 +6929,14 @@
               </a:lnSpc>
             </a:pPr>
             <a:r>
-              <a:rPr lang="ja-JP" altLang="en-US" sz="2600" b="1" dirty="0">
+              <a:rPr lang="ja-JP" altLang="en-US" sz="2600" b="1">
                 <a:solidFill>
                   <a:schemeClr val="bg1"/>
                 </a:solidFill>
               </a:rPr>
               <a:t>▍投稿返信機能</a:t>
             </a:r>
-            <a:endParaRPr lang="en-US" altLang="ja-JP" sz="2600" b="1" dirty="0">
+            <a:endParaRPr lang="en-US" altLang="ja-JP" sz="2600" b="1">
               <a:solidFill>
                 <a:schemeClr val="bg1"/>
               </a:solidFill>
@@ -7097,14 +6949,14 @@
               </a:lnSpc>
             </a:pPr>
             <a:r>
-              <a:rPr lang="ja-JP" altLang="en-US" sz="2600" b="1" dirty="0">
+              <a:rPr lang="ja-JP" altLang="en-US" sz="2600" b="1">
                 <a:solidFill>
                   <a:schemeClr val="bg1"/>
                 </a:solidFill>
               </a:rPr>
               <a:t>💭を押すと投稿に返信</a:t>
             </a:r>
-            <a:endParaRPr lang="en-US" altLang="ja-JP" sz="2600" b="1" dirty="0">
+            <a:endParaRPr lang="en-US" altLang="ja-JP" sz="2600" b="1">
               <a:solidFill>
                 <a:schemeClr val="bg1"/>
               </a:solidFill>
@@ -7116,7 +6968,7 @@
                 <a:spcPct val="110000"/>
               </a:lnSpc>
             </a:pPr>
-            <a:endParaRPr lang="en-US" altLang="ja-JP" sz="2400" b="1" dirty="0">
+            <a:endParaRPr lang="en-US" altLang="ja-JP" sz="2400" b="1">
               <a:solidFill>
                 <a:schemeClr val="bg1"/>
               </a:solidFill>
@@ -7129,7 +6981,7 @@
               </a:lnSpc>
             </a:pPr>
             <a:r>
-              <a:rPr lang="ja-JP" altLang="en-US" sz="2400" b="1" dirty="0">
+              <a:rPr lang="ja-JP" altLang="en-US" sz="2400" b="1">
                 <a:solidFill>
                   <a:schemeClr val="bg1"/>
                 </a:solidFill>
@@ -7140,14 +6992,14 @@
               <a:t>投稿をクリック </a:t>
             </a:r>
             <a:r>
-              <a:rPr lang="ja-JP" altLang="en-US" sz="2400" b="1" dirty="0">
+              <a:rPr lang="ja-JP" altLang="en-US" sz="2400" b="1">
                 <a:solidFill>
                   <a:schemeClr val="bg1"/>
                 </a:solidFill>
               </a:rPr>
               <a:t>→ 投稿詳細画面へ</a:t>
             </a:r>
-            <a:endParaRPr lang="en-US" altLang="ja-JP" sz="2000" b="1" dirty="0">
+            <a:endParaRPr lang="en-US" altLang="ja-JP" sz="2000" b="1">
               <a:solidFill>
                 <a:schemeClr val="bg1"/>
               </a:solidFill>
@@ -7160,7 +7012,7 @@
               </a:lnSpc>
             </a:pPr>
             <a:r>
-              <a:rPr lang="ja-JP" altLang="en-US" sz="2000" b="1" dirty="0">
+              <a:rPr lang="ja-JP" altLang="en-US" sz="2000" b="1">
                 <a:solidFill>
                   <a:schemeClr val="bg1"/>
                 </a:solidFill>
@@ -7171,14 +7023,14 @@
               <a:t>にこちゃん</a:t>
             </a:r>
             <a:r>
-              <a:rPr lang="ja-JP" altLang="en-US" sz="2000" b="1" dirty="0">
+              <a:rPr lang="ja-JP" altLang="en-US" sz="2000" b="1">
                 <a:solidFill>
                   <a:schemeClr val="bg1"/>
                 </a:solidFill>
               </a:rPr>
               <a:t> → 投稿者のプロフィールへ</a:t>
             </a:r>
-            <a:endParaRPr lang="en-US" altLang="ja-JP" sz="100" b="1" dirty="0">
+            <a:endParaRPr lang="en-US" altLang="ja-JP" sz="100" b="1">
               <a:solidFill>
                 <a:schemeClr val="bg1"/>
               </a:solidFill>
@@ -7191,7 +7043,7 @@
               </a:lnSpc>
             </a:pPr>
             <a:r>
-              <a:rPr lang="ja-JP" altLang="en-US" sz="2000" b="1" dirty="0">
+              <a:rPr lang="ja-JP" altLang="en-US" sz="2000" b="1">
                 <a:solidFill>
                   <a:schemeClr val="bg1"/>
                 </a:solidFill>
@@ -7202,14 +7054,14 @@
               <a:t>各ジャンル</a:t>
             </a:r>
             <a:r>
-              <a:rPr lang="ja-JP" altLang="en-US" sz="2000" b="1" dirty="0">
+              <a:rPr lang="ja-JP" altLang="en-US" sz="2000" b="1">
                 <a:solidFill>
                   <a:schemeClr val="bg1"/>
                 </a:solidFill>
               </a:rPr>
               <a:t> → 選択されたジャンルの投稿</a:t>
             </a:r>
-            <a:endParaRPr lang="en-US" altLang="ja-JP" sz="100" b="1" dirty="0">
+            <a:endParaRPr lang="en-US" altLang="ja-JP" sz="100" b="1">
               <a:solidFill>
                 <a:schemeClr val="bg1"/>
               </a:solidFill>
@@ -7222,7 +7074,7 @@
               </a:lnSpc>
             </a:pPr>
             <a:r>
-              <a:rPr lang="ja-JP" altLang="en-US" sz="2000" b="1" dirty="0">
+              <a:rPr lang="ja-JP" altLang="en-US" sz="2000" b="1">
                 <a:solidFill>
                   <a:schemeClr val="bg1"/>
                 </a:solidFill>
@@ -7233,7 +7085,7 @@
               <a:t>プロフィール</a:t>
             </a:r>
             <a:r>
-              <a:rPr lang="en-US" altLang="ja-JP" sz="2000" b="1" dirty="0">
+              <a:rPr lang="en-US" altLang="ja-JP" sz="2000" b="1">
                 <a:solidFill>
                   <a:schemeClr val="bg1"/>
                 </a:solidFill>
@@ -7241,14 +7093,14 @@
               <a:t> </a:t>
             </a:r>
             <a:r>
-              <a:rPr lang="ja-JP" altLang="en-US" sz="2000" b="1" dirty="0">
+              <a:rPr lang="ja-JP" altLang="en-US" sz="2000" b="1">
                 <a:solidFill>
                   <a:schemeClr val="bg1"/>
                 </a:solidFill>
               </a:rPr>
               <a:t>→ プロフィール画面へ</a:t>
             </a:r>
-            <a:endParaRPr lang="en-US" altLang="ja-JP" sz="100" b="1" dirty="0">
+            <a:endParaRPr lang="en-US" altLang="ja-JP" sz="100" b="1">
               <a:solidFill>
                 <a:schemeClr val="bg1"/>
               </a:solidFill>
@@ -7261,7 +7113,7 @@
               </a:lnSpc>
             </a:pPr>
             <a:r>
-              <a:rPr lang="ja-JP" altLang="en-US" sz="2000" b="1" dirty="0">
+              <a:rPr lang="ja-JP" altLang="en-US" sz="2000" b="1">
                 <a:solidFill>
                   <a:schemeClr val="bg1"/>
                 </a:solidFill>
@@ -7272,14 +7124,14 @@
               <a:t>ログアウト</a:t>
             </a:r>
             <a:r>
-              <a:rPr lang="ja-JP" altLang="en-US" sz="2000" b="1" dirty="0">
+              <a:rPr lang="ja-JP" altLang="en-US" sz="2000" b="1">
                 <a:solidFill>
                   <a:schemeClr val="bg1"/>
                 </a:solidFill>
               </a:rPr>
               <a:t>  →  ログイン画面へ</a:t>
             </a:r>
-            <a:endParaRPr lang="en-US" altLang="ja-JP" sz="2000" b="1" dirty="0">
+            <a:endParaRPr lang="en-US" altLang="ja-JP" sz="2000" b="1">
               <a:solidFill>
                 <a:schemeClr val="bg1"/>
               </a:solidFill>
@@ -7534,7 +7386,7 @@
           <a:lstStyle/>
           <a:p>
             <a:r>
-              <a:rPr lang="ja-JP" altLang="en-US" sz="2800" b="1" dirty="0">
+              <a:rPr lang="ja-JP" altLang="en-US" sz="2800" b="1">
                 <a:solidFill>
                   <a:schemeClr val="bg1"/>
                 </a:solidFill>
@@ -7574,7 +7426,7 @@
                 <a:spcPct val="110000"/>
               </a:lnSpc>
             </a:pPr>
-            <a:endParaRPr lang="en-US" altLang="ja-JP" sz="2000" b="1" dirty="0">
+            <a:endParaRPr lang="en-US" altLang="ja-JP" sz="2000" b="1">
               <a:solidFill>
                 <a:schemeClr val="bg1"/>
               </a:solidFill>
@@ -7587,14 +7439,14 @@
               </a:lnSpc>
             </a:pPr>
             <a:r>
-              <a:rPr lang="ja-JP" altLang="en-US" sz="2000" b="1" dirty="0">
+              <a:rPr lang="ja-JP" altLang="en-US" sz="2000" b="1">
                 <a:solidFill>
                   <a:schemeClr val="bg1"/>
                 </a:solidFill>
               </a:rPr>
               <a:t>キーワードを入力して検索したらヒットしたアカウントと投稿が表示される</a:t>
             </a:r>
-            <a:endParaRPr lang="en-US" altLang="ja-JP" sz="2000" b="1" dirty="0">
+            <a:endParaRPr lang="en-US" altLang="ja-JP" sz="2000" b="1">
               <a:solidFill>
                 <a:schemeClr val="bg1"/>
               </a:solidFill>
@@ -7606,15 +7458,15 @@
                 <a:spcPct val="110000"/>
               </a:lnSpc>
             </a:pPr>
-            <a:endParaRPr lang="en-US" altLang="ja-JP" sz="1800" b="1" dirty="0">
-              <a:solidFill>
-                <a:schemeClr val="bg1"/>
-              </a:solidFill>
-            </a:endParaRPr>
-          </a:p>
-          <a:p>
-            <a:r>
-              <a:rPr lang="ja-JP" altLang="en-US" sz="2000" b="1" dirty="0">
+            <a:endParaRPr lang="en-US" altLang="ja-JP" sz="1800" b="1">
+              <a:solidFill>
+                <a:schemeClr val="bg1"/>
+              </a:solidFill>
+            </a:endParaRPr>
+          </a:p>
+          <a:p>
+            <a:r>
+              <a:rPr lang="ja-JP" altLang="en-US" sz="2000" b="1">
                 <a:solidFill>
                   <a:schemeClr val="bg1"/>
                 </a:solidFill>
@@ -7624,7 +7476,7 @@
               </a:rPr>
               <a:t>戻る</a:t>
             </a:r>
-            <a:endParaRPr lang="en-US" altLang="ja-JP" sz="100" b="1" dirty="0">
+            <a:endParaRPr lang="en-US" altLang="ja-JP" sz="100" b="1">
               <a:solidFill>
                 <a:schemeClr val="bg1"/>
               </a:solidFill>
@@ -7635,7 +7487,7 @@
           </a:p>
           <a:p>
             <a:r>
-              <a:rPr lang="en-US" altLang="ja-JP" sz="2000" b="1" dirty="0">
+              <a:rPr lang="en-US" altLang="ja-JP" sz="2000" b="1">
                 <a:solidFill>
                   <a:schemeClr val="bg1"/>
                 </a:solidFill>
@@ -7643,21 +7495,21 @@
               <a:t>  </a:t>
             </a:r>
             <a:r>
-              <a:rPr lang="ja-JP" altLang="en-US" sz="2000" b="1" dirty="0">
+              <a:rPr lang="ja-JP" altLang="en-US" sz="2000" b="1">
                 <a:solidFill>
                   <a:schemeClr val="bg1"/>
                 </a:solidFill>
               </a:rPr>
               <a:t>→ ジャンル別投稿一覧画面へ</a:t>
             </a:r>
-            <a:endParaRPr lang="en-US" altLang="ja-JP" sz="100" b="1" dirty="0">
-              <a:solidFill>
-                <a:schemeClr val="bg1"/>
-              </a:solidFill>
-            </a:endParaRPr>
-          </a:p>
-          <a:p>
-            <a:endParaRPr lang="en-US" altLang="ja-JP" sz="2000" b="1" dirty="0">
+            <a:endParaRPr lang="en-US" altLang="ja-JP" sz="100" b="1">
+              <a:solidFill>
+                <a:schemeClr val="bg1"/>
+              </a:solidFill>
+            </a:endParaRPr>
+          </a:p>
+          <a:p>
+            <a:endParaRPr lang="en-US" altLang="ja-JP" sz="2000" b="1">
               <a:solidFill>
                 <a:schemeClr val="bg1"/>
               </a:solidFill>
@@ -7910,7 +7762,7 @@
           <a:lstStyle/>
           <a:p>
             <a:r>
-              <a:rPr lang="ja-JP" altLang="en-US" b="1" dirty="0">
+              <a:rPr lang="ja-JP" altLang="en-US" b="1">
                 <a:solidFill>
                   <a:schemeClr val="bg1"/>
                 </a:solidFill>
@@ -7946,29 +7798,29 @@
           <a:lstStyle/>
           <a:p>
             <a:r>
-              <a:rPr lang="ja-JP" altLang="en-US" sz="2400" b="1" dirty="0">
+              <a:rPr lang="ja-JP" altLang="en-US" sz="2400" b="1">
                 <a:solidFill>
                   <a:schemeClr val="bg1"/>
                 </a:solidFill>
               </a:rPr>
               <a:t>▍投稿返信機能</a:t>
             </a:r>
-            <a:endParaRPr lang="en-US" altLang="ja-JP" sz="2400" b="1" dirty="0">
-              <a:solidFill>
-                <a:schemeClr val="bg1"/>
-              </a:solidFill>
-            </a:endParaRPr>
-          </a:p>
-          <a:p>
-            <a:r>
-              <a:rPr lang="ja-JP" altLang="en-US" sz="2000" b="1" dirty="0">
+            <a:endParaRPr lang="en-US" altLang="ja-JP" sz="2400" b="1">
+              <a:solidFill>
+                <a:schemeClr val="bg1"/>
+              </a:solidFill>
+            </a:endParaRPr>
+          </a:p>
+          <a:p>
+            <a:r>
+              <a:rPr lang="ja-JP" altLang="en-US" sz="2000" b="1">
                 <a:solidFill>
                   <a:schemeClr val="bg1"/>
                 </a:solidFill>
               </a:rPr>
               <a:t>投稿への返信を入力、メディアを選択</a:t>
             </a:r>
-            <a:endParaRPr lang="en-US" altLang="ja-JP" sz="2400" b="1" dirty="0">
+            <a:endParaRPr lang="en-US" altLang="ja-JP" sz="2400" b="1">
               <a:solidFill>
                 <a:schemeClr val="bg1"/>
               </a:solidFill>
@@ -7981,7 +7833,7 @@
               </a:lnSpc>
             </a:pPr>
             <a:r>
-              <a:rPr lang="ja-JP" altLang="en-US" sz="2000" b="1" dirty="0">
+              <a:rPr lang="ja-JP" altLang="en-US" sz="2000" b="1">
                 <a:solidFill>
                   <a:schemeClr val="bg1"/>
                 </a:solidFill>
@@ -7991,7 +7843,7 @@
               </a:rPr>
               <a:t>キャンセル</a:t>
             </a:r>
-            <a:endParaRPr lang="en-US" altLang="ja-JP" sz="2000" b="1" dirty="0">
+            <a:endParaRPr lang="en-US" altLang="ja-JP" sz="2000" b="1">
               <a:solidFill>
                 <a:schemeClr val="bg1"/>
               </a:solidFill>
@@ -8002,14 +7854,14 @@
           </a:p>
           <a:p>
             <a:r>
-              <a:rPr lang="ja-JP" altLang="en-US" sz="2000" b="1" dirty="0">
+              <a:rPr lang="ja-JP" altLang="en-US" sz="2000" b="1">
                 <a:solidFill>
                   <a:schemeClr val="bg1"/>
                 </a:solidFill>
               </a:rPr>
               <a:t>　→ ひとつ前の画面へ</a:t>
             </a:r>
-            <a:endParaRPr lang="en-US" altLang="ja-JP" sz="2000" b="1" dirty="0">
+            <a:endParaRPr lang="en-US" altLang="ja-JP" sz="2000" b="1">
               <a:solidFill>
                 <a:schemeClr val="bg1"/>
               </a:solidFill>
@@ -8022,7 +7874,7 @@
               </a:lnSpc>
             </a:pPr>
             <a:r>
-              <a:rPr lang="ja-JP" altLang="en-US" sz="2000" b="1" dirty="0">
+              <a:rPr lang="ja-JP" altLang="en-US" sz="2000" b="1">
                 <a:solidFill>
                   <a:schemeClr val="bg1"/>
                 </a:solidFill>
@@ -8032,7 +7884,7 @@
               </a:rPr>
               <a:t>返信する</a:t>
             </a:r>
-            <a:endParaRPr lang="en-US" altLang="ja-JP" sz="2000" b="1" dirty="0">
+            <a:endParaRPr lang="en-US" altLang="ja-JP" sz="2000" b="1">
               <a:solidFill>
                 <a:schemeClr val="bg1"/>
               </a:solidFill>
@@ -8043,14 +7895,14 @@
           </a:p>
           <a:p>
             <a:r>
-              <a:rPr lang="ja-JP" altLang="en-US" sz="2000" b="1" dirty="0">
+              <a:rPr lang="ja-JP" altLang="en-US" sz="2000" b="1">
                 <a:solidFill>
                   <a:schemeClr val="bg1"/>
                 </a:solidFill>
               </a:rPr>
               <a:t>　→投稿詳細画面へ</a:t>
             </a:r>
-            <a:endParaRPr lang="en-US" altLang="ja-JP" sz="2000" b="1" dirty="0">
+            <a:endParaRPr lang="en-US" altLang="ja-JP" sz="2000" b="1">
               <a:solidFill>
                 <a:schemeClr val="bg1"/>
               </a:solidFill>
@@ -8112,10 +7964,10 @@
       </p:sp>
       <p:pic>
         <p:nvPicPr>
-          <p:cNvPr id="9" name="図 8" descr="グラフィカル ユーザー インターフェイス, アプリケーション, Teams&#10;&#10;自動的に生成された説明">
-            <a:extLst>
-              <a:ext uri="{FF2B5EF4-FFF2-40B4-BE49-F238E27FC236}">
-                <a16:creationId xmlns:a16="http://schemas.microsoft.com/office/drawing/2014/main" id="{715AB30A-0433-882B-0F20-9BC297381D2B}"/>
+          <p:cNvPr id="13" name="図 12" descr="グラフィカル ユーザー インターフェイス, アプリケーション, Teams&#10;&#10;自動的に生成された説明">
+            <a:extLst>
+              <a:ext uri="{FF2B5EF4-FFF2-40B4-BE49-F238E27FC236}">
+                <a16:creationId xmlns:a16="http://schemas.microsoft.com/office/drawing/2014/main" id="{28AFE56A-0717-56DC-4AE6-5461C00FCF71}"/>
               </a:ext>
             </a:extLst>
           </p:cNvPr>
@@ -8138,8 +7990,8 @@
         </p:blipFill>
         <p:spPr>
           <a:xfrm>
-            <a:off x="5205894" y="1682015"/>
-            <a:ext cx="6552236" cy="3811588"/>
+            <a:off x="4861022" y="1643866"/>
+            <a:ext cx="6850381" cy="3970322"/>
           </a:xfrm>
           <a:prstGeom prst="rect">
             <a:avLst/>
@@ -8303,7 +8155,7 @@
           <a:lstStyle/>
           <a:p>
             <a:r>
-              <a:rPr lang="ja-JP" altLang="en-US" b="1" dirty="0">
+              <a:rPr lang="ja-JP" altLang="en-US" b="1">
                 <a:solidFill>
                   <a:schemeClr val="bg1"/>
                 </a:solidFill>
@@ -8338,44 +8190,44 @@
           </a:bodyPr>
           <a:lstStyle/>
           <a:p>
-            <a:endParaRPr lang="en-US" altLang="ja-JP" sz="2200" b="1" dirty="0">
-              <a:solidFill>
-                <a:schemeClr val="bg1"/>
-              </a:solidFill>
-            </a:endParaRPr>
-          </a:p>
-          <a:p>
-            <a:r>
-              <a:rPr lang="ja-JP" altLang="en-US" sz="2200" b="1" dirty="0">
+            <a:endParaRPr lang="en-US" altLang="ja-JP" sz="2200" b="1">
+              <a:solidFill>
+                <a:schemeClr val="bg1"/>
+              </a:solidFill>
+            </a:endParaRPr>
+          </a:p>
+          <a:p>
+            <a:r>
+              <a:rPr lang="ja-JP" altLang="en-US" sz="2200" b="1">
                 <a:solidFill>
                   <a:schemeClr val="bg1"/>
                 </a:solidFill>
               </a:rPr>
               <a:t>選択された投稿とその下に投稿への返信が表示</a:t>
             </a:r>
-            <a:endParaRPr lang="en-US" altLang="ja-JP" sz="2200" b="1" dirty="0">
-              <a:solidFill>
-                <a:schemeClr val="bg1"/>
-              </a:solidFill>
-            </a:endParaRPr>
-          </a:p>
-          <a:p>
-            <a:endParaRPr lang="en-US" altLang="ja-JP" sz="2200" b="1" dirty="0">
-              <a:solidFill>
-                <a:schemeClr val="bg1"/>
-              </a:solidFill>
-            </a:endParaRPr>
-          </a:p>
-          <a:p>
-            <a:r>
-              <a:rPr lang="ja-JP" altLang="en-US" sz="2200" b="1" dirty="0">
+            <a:endParaRPr lang="en-US" altLang="ja-JP" sz="2200" b="1">
+              <a:solidFill>
+                <a:schemeClr val="bg1"/>
+              </a:solidFill>
+            </a:endParaRPr>
+          </a:p>
+          <a:p>
+            <a:endParaRPr lang="en-US" altLang="ja-JP" sz="2200" b="1">
+              <a:solidFill>
+                <a:schemeClr val="bg1"/>
+              </a:solidFill>
+            </a:endParaRPr>
+          </a:p>
+          <a:p>
+            <a:r>
+              <a:rPr lang="ja-JP" altLang="en-US" sz="2200" b="1">
                 <a:solidFill>
                   <a:schemeClr val="bg1"/>
                 </a:solidFill>
               </a:rPr>
               <a:t>返信にはユーザー名の横に返信元のユーザーネームが表示</a:t>
             </a:r>
-            <a:endParaRPr lang="en-US" altLang="ja-JP" sz="2200" b="1" dirty="0">
+            <a:endParaRPr lang="en-US" altLang="ja-JP" sz="2200" b="1">
               <a:solidFill>
                 <a:schemeClr val="bg1"/>
               </a:solidFill>
@@ -8457,7 +8309,7 @@
         </p:blipFill>
         <p:spPr>
           <a:xfrm>
-            <a:off x="5528155" y="1622218"/>
+            <a:off x="5367207" y="1653040"/>
             <a:ext cx="6229610" cy="3905838"/>
           </a:xfrm>
           <a:prstGeom prst="rect">
@@ -8622,7 +8474,7 @@
           <a:lstStyle/>
           <a:p>
             <a:r>
-              <a:rPr lang="ja-JP" altLang="en-US" b="1" dirty="0">
+              <a:rPr lang="ja-JP" altLang="en-US" b="1">
                 <a:solidFill>
                   <a:schemeClr val="bg1"/>
                 </a:solidFill>
@@ -8663,22 +8515,22 @@
           <a:lstStyle/>
           <a:p>
             <a:r>
-              <a:rPr lang="ja-JP" altLang="en-US" sz="2400" b="1" dirty="0">
+              <a:rPr lang="ja-JP" altLang="en-US" sz="2400" b="1">
                 <a:solidFill>
                   <a:schemeClr val="bg1"/>
                 </a:solidFill>
               </a:rPr>
               <a:t>▍プロフィール表示機能</a:t>
             </a:r>
-            <a:endParaRPr lang="en-US" altLang="ja-JP" sz="2400" b="1" dirty="0">
-              <a:solidFill>
-                <a:schemeClr val="bg1"/>
-              </a:solidFill>
-            </a:endParaRPr>
-          </a:p>
-          <a:p>
-            <a:r>
-              <a:rPr lang="ja-JP" altLang="en-US" sz="1800" b="1" dirty="0">
+            <a:endParaRPr lang="en-US" altLang="ja-JP" sz="2400" b="1">
+              <a:solidFill>
+                <a:schemeClr val="bg1"/>
+              </a:solidFill>
+            </a:endParaRPr>
+          </a:p>
+          <a:p>
+            <a:r>
+              <a:rPr lang="ja-JP" altLang="en-US" sz="1800" b="1">
                 <a:solidFill>
                   <a:schemeClr val="bg1"/>
                 </a:solidFill>
@@ -8686,7 +8538,7 @@
               <a:t>　</a:t>
             </a:r>
             <a:r>
-              <a:rPr lang="ja-JP" altLang="en-US" sz="2000" b="1" dirty="0">
+              <a:rPr lang="ja-JP" altLang="en-US" sz="2000" b="1">
                 <a:solidFill>
                   <a:schemeClr val="bg1"/>
                 </a:solidFill>
@@ -8694,7 +8546,7 @@
               <a:t>ユーザーネーム、アイコン、</a:t>
             </a:r>
             <a:r>
-              <a:rPr lang="en-US" altLang="ja-JP" sz="2000" b="1" dirty="0">
+              <a:rPr lang="en-US" altLang="ja-JP" sz="2000" b="1">
                 <a:solidFill>
                   <a:schemeClr val="bg1"/>
                 </a:solidFill>
@@ -8702,44 +8554,44 @@
               <a:t>ID</a:t>
             </a:r>
             <a:r>
-              <a:rPr lang="ja-JP" altLang="en-US" sz="2000" b="1" dirty="0">
+              <a:rPr lang="ja-JP" altLang="en-US" sz="2000" b="1">
                 <a:solidFill>
                   <a:schemeClr val="bg1"/>
                 </a:solidFill>
               </a:rPr>
               <a:t>、自分で設定した自己紹介文、好きなジャンルが表示</a:t>
             </a:r>
-            <a:endParaRPr lang="en-US" altLang="ja-JP" sz="2000" b="1" dirty="0">
-              <a:solidFill>
-                <a:schemeClr val="bg1"/>
-              </a:solidFill>
-            </a:endParaRPr>
-          </a:p>
-          <a:p>
-            <a:endParaRPr lang="en-US" altLang="ja-JP" sz="100" b="1" dirty="0">
-              <a:solidFill>
-                <a:schemeClr val="bg1"/>
-              </a:solidFill>
-            </a:endParaRPr>
-          </a:p>
-          <a:p>
-            <a:r>
-              <a:rPr lang="ja-JP" altLang="en-US" sz="2400" b="1" dirty="0">
+            <a:endParaRPr lang="en-US" altLang="ja-JP" sz="2000" b="1">
+              <a:solidFill>
+                <a:schemeClr val="bg1"/>
+              </a:solidFill>
+            </a:endParaRPr>
+          </a:p>
+          <a:p>
+            <a:endParaRPr lang="en-US" altLang="ja-JP" sz="100" b="1">
+              <a:solidFill>
+                <a:schemeClr val="bg1"/>
+              </a:solidFill>
+            </a:endParaRPr>
+          </a:p>
+          <a:p>
+            <a:r>
+              <a:rPr lang="ja-JP" altLang="en-US" sz="2400" b="1">
                 <a:solidFill>
                   <a:schemeClr val="bg1"/>
                 </a:solidFill>
               </a:rPr>
               <a:t>▍投稿削除機能</a:t>
             </a:r>
-            <a:endParaRPr lang="en-US" altLang="ja-JP" sz="2400" b="1" dirty="0">
-              <a:solidFill>
-                <a:schemeClr val="bg1"/>
-              </a:solidFill>
-            </a:endParaRPr>
-          </a:p>
-          <a:p>
-            <a:r>
-              <a:rPr lang="ja-JP" altLang="en-US" sz="2000" b="1" dirty="0">
+            <a:endParaRPr lang="en-US" altLang="ja-JP" sz="2400" b="1">
+              <a:solidFill>
+                <a:schemeClr val="bg1"/>
+              </a:solidFill>
+            </a:endParaRPr>
+          </a:p>
+          <a:p>
+            <a:r>
+              <a:rPr lang="ja-JP" altLang="en-US" sz="2000" b="1">
                 <a:solidFill>
                   <a:schemeClr val="bg1"/>
                 </a:solidFill>
@@ -8749,7 +8601,7 @@
               </a:rPr>
               <a:t>ゴミ箱マーク</a:t>
             </a:r>
-            <a:endParaRPr lang="en-US" altLang="ja-JP" sz="2000" b="1" dirty="0">
+            <a:endParaRPr lang="en-US" altLang="ja-JP" sz="2000" b="1">
               <a:solidFill>
                 <a:schemeClr val="bg1"/>
               </a:solidFill>
@@ -8760,7 +8612,7 @@
           </a:p>
           <a:p>
             <a:r>
-              <a:rPr lang="en-US" altLang="ja-JP" sz="2000" b="1" dirty="0">
+              <a:rPr lang="en-US" altLang="ja-JP" sz="2000" b="1">
                 <a:solidFill>
                   <a:schemeClr val="bg1"/>
                 </a:solidFill>
@@ -8768,36 +8620,36 @@
               <a:t> </a:t>
             </a:r>
             <a:r>
-              <a:rPr lang="ja-JP" altLang="en-US" sz="2000" b="1" dirty="0">
+              <a:rPr lang="ja-JP" altLang="en-US" sz="2000" b="1">
                 <a:solidFill>
                   <a:schemeClr val="bg1"/>
                 </a:solidFill>
               </a:rPr>
               <a:t>　→削除確認メッセージ表示</a:t>
             </a:r>
-            <a:endParaRPr lang="en-US" altLang="ja-JP" sz="2000" b="1" dirty="0">
-              <a:solidFill>
-                <a:schemeClr val="bg1"/>
-              </a:solidFill>
-            </a:endParaRPr>
-          </a:p>
-          <a:p>
-            <a:endParaRPr lang="en-US" altLang="ja-JP" sz="100" b="1" dirty="0">
-              <a:solidFill>
-                <a:schemeClr val="bg1"/>
-              </a:solidFill>
-            </a:endParaRPr>
-          </a:p>
-          <a:p>
-            <a:r>
-              <a:rPr lang="ja-JP" altLang="en-US" sz="2200" b="1" dirty="0">
+            <a:endParaRPr lang="en-US" altLang="ja-JP" sz="2000" b="1">
+              <a:solidFill>
+                <a:schemeClr val="bg1"/>
+              </a:solidFill>
+            </a:endParaRPr>
+          </a:p>
+          <a:p>
+            <a:endParaRPr lang="en-US" altLang="ja-JP" sz="100" b="1">
+              <a:solidFill>
+                <a:schemeClr val="bg1"/>
+              </a:solidFill>
+            </a:endParaRPr>
+          </a:p>
+          <a:p>
+            <a:r>
+              <a:rPr lang="ja-JP" altLang="en-US" sz="2200" b="1">
                 <a:solidFill>
                   <a:schemeClr val="bg1"/>
                 </a:solidFill>
               </a:rPr>
               <a:t>自分の投稿、投稿への返信、いいねした投稿を表示</a:t>
             </a:r>
-            <a:endParaRPr lang="en-US" altLang="ja-JP" sz="2200" b="1" dirty="0">
+            <a:endParaRPr lang="en-US" altLang="ja-JP" sz="2200" b="1">
               <a:solidFill>
                 <a:schemeClr val="bg1"/>
               </a:solidFill>
@@ -8859,10 +8711,10 @@
       </p:sp>
       <p:pic>
         <p:nvPicPr>
-          <p:cNvPr id="20" name="図 19" descr="グラフィカル ユーザー インターフェイス, アプリケーション&#10;&#10;自動的に生成された説明">
-            <a:extLst>
-              <a:ext uri="{FF2B5EF4-FFF2-40B4-BE49-F238E27FC236}">
-                <a16:creationId xmlns:a16="http://schemas.microsoft.com/office/drawing/2014/main" id="{DBD856F9-1564-75C7-2DA9-42A6A95803D7}"/>
+          <p:cNvPr id="15" name="図 14" descr="グラフィカル ユーザー インターフェイス, アプリケーション&#10;&#10;自動的に生成された説明">
+            <a:extLst>
+              <a:ext uri="{FF2B5EF4-FFF2-40B4-BE49-F238E27FC236}">
+                <a16:creationId xmlns:a16="http://schemas.microsoft.com/office/drawing/2014/main" id="{EF1B4AED-40C3-8E34-6339-749A5B59F9B5}"/>
               </a:ext>
             </a:extLst>
           </p:cNvPr>
@@ -8885,8 +8737,8 @@
         </p:blipFill>
         <p:spPr>
           <a:xfrm>
-            <a:off x="6807739" y="3360276"/>
-            <a:ext cx="5045882" cy="3149053"/>
+            <a:off x="4982536" y="621262"/>
+            <a:ext cx="4932121" cy="3090315"/>
           </a:xfrm>
           <a:prstGeom prst="rect">
             <a:avLst/>
@@ -8905,10 +8757,10 @@
       </p:pic>
       <p:pic>
         <p:nvPicPr>
-          <p:cNvPr id="15" name="図 14" descr="グラフィカル ユーザー インターフェイス, アプリケーション&#10;&#10;自動的に生成された説明">
-            <a:extLst>
-              <a:ext uri="{FF2B5EF4-FFF2-40B4-BE49-F238E27FC236}">
-                <a16:creationId xmlns:a16="http://schemas.microsoft.com/office/drawing/2014/main" id="{EF1B4AED-40C3-8E34-6339-749A5B59F9B5}"/>
+          <p:cNvPr id="5" name="図 4" descr="グラフィカル ユーザー インターフェイス, テキスト, アプリケーション, メール&#10;&#10;自動的に生成された説明">
+            <a:extLst>
+              <a:ext uri="{FF2B5EF4-FFF2-40B4-BE49-F238E27FC236}">
+                <a16:creationId xmlns:a16="http://schemas.microsoft.com/office/drawing/2014/main" id="{6920D022-1695-1DC4-EA13-3B7128A5D818}"/>
               </a:ext>
             </a:extLst>
           </p:cNvPr>
@@ -8931,8 +8783,8 @@
         </p:blipFill>
         <p:spPr>
           <a:xfrm>
-            <a:off x="5223962" y="1039756"/>
-            <a:ext cx="4932121" cy="3090315"/>
+            <a:off x="6598118" y="3429000"/>
+            <a:ext cx="5237781" cy="3090315"/>
           </a:xfrm>
           <a:prstGeom prst="rect">
             <a:avLst/>
@@ -9096,7 +8948,7 @@
           <a:lstStyle/>
           <a:p>
             <a:r>
-              <a:rPr lang="ja-JP" altLang="en-US" b="1" dirty="0">
+              <a:rPr lang="ja-JP" altLang="en-US" b="1">
                 <a:solidFill>
                   <a:schemeClr val="bg1"/>
                 </a:solidFill>
@@ -9136,7 +8988,7 @@
           </a:bodyPr>
           <a:lstStyle/>
           <a:p>
-            <a:endParaRPr lang="en-US" altLang="ja-JP" sz="2200" b="1" dirty="0">
+            <a:endParaRPr lang="en-US" altLang="ja-JP" sz="2200" b="1">
               <a:solidFill>
                 <a:schemeClr val="bg1"/>
               </a:solidFill>
@@ -9147,7 +8999,7 @@
           </a:p>
           <a:p>
             <a:r>
-              <a:rPr lang="ja-JP" altLang="en-US" sz="2200" b="1" dirty="0">
+              <a:rPr lang="ja-JP" altLang="en-US" sz="2200" b="1">
                 <a:solidFill>
                   <a:schemeClr val="bg1"/>
                 </a:solidFill>
@@ -9158,29 +9010,29 @@
               <a:t>編集</a:t>
             </a:r>
             <a:r>
-              <a:rPr lang="ja-JP" altLang="en-US" sz="2200" b="1" dirty="0">
+              <a:rPr lang="ja-JP" altLang="en-US" sz="2200" b="1">
                 <a:solidFill>
                   <a:schemeClr val="bg1"/>
                 </a:solidFill>
               </a:rPr>
               <a:t> </a:t>
             </a:r>
-            <a:endParaRPr lang="en-US" altLang="ja-JP" sz="2200" b="1" dirty="0">
-              <a:solidFill>
-                <a:schemeClr val="bg1"/>
-              </a:solidFill>
-            </a:endParaRPr>
-          </a:p>
-          <a:p>
-            <a:r>
-              <a:rPr lang="ja-JP" altLang="en-US" sz="2200" b="1" dirty="0">
+            <a:endParaRPr lang="en-US" altLang="ja-JP" sz="2200" b="1">
+              <a:solidFill>
+                <a:schemeClr val="bg1"/>
+              </a:solidFill>
+            </a:endParaRPr>
+          </a:p>
+          <a:p>
+            <a:r>
+              <a:rPr lang="ja-JP" altLang="en-US" sz="2200" b="1">
                 <a:solidFill>
                   <a:schemeClr val="bg1"/>
                 </a:solidFill>
               </a:rPr>
               <a:t>   → プロフィール編集画面</a:t>
             </a:r>
-            <a:endParaRPr lang="en-US" altLang="ja-JP" sz="2200" b="1" dirty="0">
+            <a:endParaRPr lang="en-US" altLang="ja-JP" sz="2200" b="1">
               <a:solidFill>
                 <a:schemeClr val="bg1"/>
               </a:solidFill>
@@ -9193,7 +9045,7 @@
               </a:lnSpc>
             </a:pPr>
             <a:r>
-              <a:rPr lang="ja-JP" altLang="en-US" sz="2200" b="1" dirty="0">
+              <a:rPr lang="ja-JP" altLang="en-US" sz="2200" b="1">
                 <a:solidFill>
                   <a:schemeClr val="bg1"/>
                 </a:solidFill>
@@ -9203,7 +9055,7 @@
               </a:rPr>
               <a:t>アカウント削除</a:t>
             </a:r>
-            <a:endParaRPr lang="en-US" altLang="ja-JP" sz="2200" b="1" dirty="0">
+            <a:endParaRPr lang="en-US" altLang="ja-JP" sz="2200" b="1">
               <a:solidFill>
                 <a:schemeClr val="bg1"/>
               </a:solidFill>
@@ -9214,14 +9066,14 @@
           </a:p>
           <a:p>
             <a:r>
-              <a:rPr lang="ja-JP" altLang="en-US" sz="2200" b="1" dirty="0">
+              <a:rPr lang="ja-JP" altLang="en-US" sz="2200" b="1">
                 <a:solidFill>
                   <a:schemeClr val="bg1"/>
                 </a:solidFill>
               </a:rPr>
               <a:t>   → アカウント削除画面へ</a:t>
             </a:r>
-            <a:endParaRPr lang="en-US" altLang="ja-JP" sz="2200" b="1" dirty="0">
+            <a:endParaRPr lang="en-US" altLang="ja-JP" sz="2200" b="1">
               <a:solidFill>
                 <a:schemeClr val="bg1"/>
               </a:solidFill>
@@ -9234,7 +9086,7 @@
               </a:lnSpc>
             </a:pPr>
             <a:r>
-              <a:rPr lang="ja-JP" altLang="en-US" sz="2200" b="1" dirty="0">
+              <a:rPr lang="ja-JP" altLang="en-US" sz="2200" b="1">
                 <a:solidFill>
                   <a:schemeClr val="bg1"/>
                 </a:solidFill>
@@ -9245,21 +9097,21 @@
               <a:t>＋</a:t>
             </a:r>
             <a:r>
-              <a:rPr lang="ja-JP" altLang="en-US" sz="2200" b="1" dirty="0">
+              <a:rPr lang="ja-JP" altLang="en-US" sz="2200" b="1">
                 <a:solidFill>
                   <a:schemeClr val="bg1"/>
                 </a:solidFill>
               </a:rPr>
               <a:t> → 新規投稿画面へ</a:t>
             </a:r>
-            <a:endParaRPr lang="en-US" altLang="ja-JP" sz="2200" b="1" dirty="0">
-              <a:solidFill>
-                <a:schemeClr val="bg1"/>
-              </a:solidFill>
-            </a:endParaRPr>
-          </a:p>
-          <a:p>
-            <a:endParaRPr lang="en-US" altLang="ja-JP" sz="2000" b="1" dirty="0">
+            <a:endParaRPr lang="en-US" altLang="ja-JP" sz="2200" b="1">
+              <a:solidFill>
+                <a:schemeClr val="bg1"/>
+              </a:solidFill>
+            </a:endParaRPr>
+          </a:p>
+          <a:p>
+            <a:endParaRPr lang="en-US" altLang="ja-JP" sz="2000" b="1">
               <a:solidFill>
                 <a:schemeClr val="bg1"/>
               </a:solidFill>
@@ -9512,7 +9364,7 @@
           <a:lstStyle/>
           <a:p>
             <a:r>
-              <a:rPr lang="ja-JP" altLang="en-US" b="1" dirty="0">
+              <a:rPr lang="ja-JP" altLang="en-US" b="1">
                 <a:solidFill>
                   <a:schemeClr val="bg1"/>
                 </a:solidFill>
@@ -9553,7 +9405,7 @@
           <a:lstStyle/>
           <a:p>
             <a:r>
-              <a:rPr lang="ja-JP" altLang="en-US" sz="2800" b="1" dirty="0">
+              <a:rPr lang="ja-JP" altLang="en-US" sz="2800" b="1">
                 <a:solidFill>
                   <a:schemeClr val="bg1"/>
                 </a:solidFill>
@@ -9561,7 +9413,7 @@
               <a:t>▍</a:t>
             </a:r>
             <a:r>
-              <a:rPr lang="ja-JP" altLang="en-US" sz="2600" b="1" dirty="0">
+              <a:rPr lang="ja-JP" altLang="en-US" sz="2600" b="1">
                 <a:solidFill>
                   <a:schemeClr val="bg1"/>
                 </a:solidFill>
@@ -9569,7 +9421,7 @@
               <a:t>プロフィール</a:t>
             </a:r>
             <a:r>
-              <a:rPr lang="ja-JP" altLang="en-US" sz="2600" b="1" dirty="0">
+              <a:rPr lang="ja-JP" altLang="en-US" sz="2600" b="1">
                 <a:solidFill>
                   <a:schemeClr val="bg1"/>
                 </a:solidFill>
@@ -9586,7 +9438,7 @@
           </a:p>
           <a:p>
             <a:r>
-              <a:rPr lang="ja-JP" altLang="en-US" sz="1900" b="1" dirty="0">
+              <a:rPr lang="ja-JP" altLang="en-US" sz="1900" b="1">
                 <a:solidFill>
                   <a:schemeClr val="bg1"/>
                 </a:solidFill>
@@ -9603,7 +9455,7 @@
           </a:p>
           <a:p>
             <a:r>
-              <a:rPr lang="ja-JP" altLang="en-US" sz="1900" b="1" dirty="0">
+              <a:rPr lang="ja-JP" altLang="en-US" sz="1900" b="1">
                 <a:solidFill>
                   <a:schemeClr val="bg1"/>
                 </a:solidFill>
@@ -9627,7 +9479,7 @@
           </a:p>
           <a:p>
             <a:r>
-              <a:rPr lang="ja-JP" altLang="en-US" sz="2000" b="1" dirty="0">
+              <a:rPr lang="ja-JP" altLang="en-US" sz="2000" b="1">
                 <a:solidFill>
                   <a:schemeClr val="bg1"/>
                 </a:solidFill>
@@ -9648,7 +9500,7 @@
           </a:p>
           <a:p>
             <a:r>
-              <a:rPr lang="ja-JP" altLang="en-US" sz="2000" b="1" dirty="0">
+              <a:rPr lang="ja-JP" altLang="en-US" sz="2000" b="1">
                 <a:solidFill>
                   <a:schemeClr val="bg1"/>
                 </a:solidFill>
@@ -9663,7 +9515,7 @@
           </a:p>
           <a:p>
             <a:r>
-              <a:rPr lang="ja-JP" altLang="en-US" sz="2000" b="1" dirty="0">
+              <a:rPr lang="ja-JP" altLang="en-US" sz="2000" b="1">
                 <a:solidFill>
                   <a:schemeClr val="bg1"/>
                 </a:solidFill>
@@ -9692,7 +9544,7 @@
               <a:t>  </a:t>
             </a:r>
             <a:r>
-              <a:rPr lang="ja-JP" altLang="en-US" sz="2000" b="1" dirty="0">
+              <a:rPr lang="ja-JP" altLang="en-US" sz="2000" b="1">
                 <a:solidFill>
                   <a:schemeClr val="bg1"/>
                 </a:solidFill>
@@ -9969,7 +9821,7 @@
           <a:lstStyle/>
           <a:p>
             <a:r>
-              <a:rPr lang="ja-JP" altLang="en-US" b="1" dirty="0">
+              <a:rPr lang="ja-JP" altLang="en-US" b="1">
                 <a:solidFill>
                   <a:schemeClr val="bg1"/>
                 </a:solidFill>
@@ -10005,22 +9857,22 @@
           <a:lstStyle/>
           <a:p>
             <a:r>
-              <a:rPr lang="ja-JP" altLang="en-US" sz="2400" b="1" dirty="0">
+              <a:rPr lang="ja-JP" altLang="en-US" sz="2400" b="1">
                 <a:solidFill>
                   <a:schemeClr val="bg1"/>
                 </a:solidFill>
               </a:rPr>
               <a:t>▍新規投稿機能</a:t>
             </a:r>
-            <a:endParaRPr lang="en-US" altLang="ja-JP" sz="2400" b="1" dirty="0">
-              <a:solidFill>
-                <a:schemeClr val="bg1"/>
-              </a:solidFill>
-            </a:endParaRPr>
-          </a:p>
-          <a:p>
-            <a:r>
-              <a:rPr lang="ja-JP" altLang="en-US" sz="2400" b="1" dirty="0">
+            <a:endParaRPr lang="en-US" altLang="ja-JP" sz="2400" b="1">
+              <a:solidFill>
+                <a:schemeClr val="bg1"/>
+              </a:solidFill>
+            </a:endParaRPr>
+          </a:p>
+          <a:p>
+            <a:r>
+              <a:rPr lang="ja-JP" altLang="en-US" sz="2400" b="1">
                 <a:solidFill>
                   <a:schemeClr val="bg1"/>
                 </a:solidFill>
@@ -10028,29 +9880,29 @@
               <a:t>　</a:t>
             </a:r>
             <a:r>
-              <a:rPr lang="ja-JP" altLang="en-US" sz="2000" b="1" dirty="0">
+              <a:rPr lang="ja-JP" altLang="en-US" sz="2000" b="1">
                 <a:solidFill>
                   <a:schemeClr val="bg1"/>
                 </a:solidFill>
               </a:rPr>
               <a:t>投稿する内容のジャンル選択、投稿内容、メディアを選択</a:t>
             </a:r>
-            <a:endParaRPr lang="en-US" altLang="ja-JP" sz="2000" b="1" dirty="0">
-              <a:solidFill>
-                <a:schemeClr val="bg1"/>
-              </a:solidFill>
-            </a:endParaRPr>
-          </a:p>
-          <a:p>
-            <a:endParaRPr lang="en-US" altLang="ja-JP" sz="2000" b="1" dirty="0">
-              <a:solidFill>
-                <a:schemeClr val="bg1"/>
-              </a:solidFill>
-            </a:endParaRPr>
-          </a:p>
-          <a:p>
-            <a:r>
-              <a:rPr lang="ja-JP" altLang="en-US" sz="2000" b="1" dirty="0">
+            <a:endParaRPr lang="en-US" altLang="ja-JP" sz="2000" b="1">
+              <a:solidFill>
+                <a:schemeClr val="bg1"/>
+              </a:solidFill>
+            </a:endParaRPr>
+          </a:p>
+          <a:p>
+            <a:endParaRPr lang="en-US" altLang="ja-JP" sz="2000" b="1">
+              <a:solidFill>
+                <a:schemeClr val="bg1"/>
+              </a:solidFill>
+            </a:endParaRPr>
+          </a:p>
+          <a:p>
+            <a:r>
+              <a:rPr lang="ja-JP" altLang="en-US" sz="2000" b="1">
                 <a:solidFill>
                   <a:schemeClr val="bg1"/>
                 </a:solidFill>
@@ -10060,7 +9912,7 @@
               </a:rPr>
               <a:t>投稿する</a:t>
             </a:r>
-            <a:endParaRPr lang="en-US" altLang="ja-JP" sz="2000" b="1" dirty="0">
+            <a:endParaRPr lang="en-US" altLang="ja-JP" sz="2000" b="1">
               <a:solidFill>
                 <a:schemeClr val="bg1"/>
               </a:solidFill>
@@ -10071,22 +9923,22 @@
           </a:p>
           <a:p>
             <a:r>
-              <a:rPr lang="ja-JP" altLang="en-US" sz="2000" b="1" dirty="0">
+              <a:rPr lang="ja-JP" altLang="en-US" sz="2000" b="1">
                 <a:solidFill>
                   <a:schemeClr val="bg1"/>
                 </a:solidFill>
               </a:rPr>
               <a:t>　→ ＋を押した時の画面へ</a:t>
             </a:r>
-            <a:endParaRPr lang="en-US" altLang="ja-JP" sz="2000" b="1" dirty="0">
-              <a:solidFill>
-                <a:schemeClr val="bg1"/>
-              </a:solidFill>
-            </a:endParaRPr>
-          </a:p>
-          <a:p>
-            <a:r>
-              <a:rPr lang="ja-JP" altLang="en-US" sz="2000" b="1" dirty="0">
+            <a:endParaRPr lang="en-US" altLang="ja-JP" sz="2000" b="1">
+              <a:solidFill>
+                <a:schemeClr val="bg1"/>
+              </a:solidFill>
+            </a:endParaRPr>
+          </a:p>
+          <a:p>
+            <a:r>
+              <a:rPr lang="ja-JP" altLang="en-US" sz="2000" b="1">
                 <a:solidFill>
                   <a:schemeClr val="bg1"/>
                 </a:solidFill>
@@ -10096,7 +9948,7 @@
               </a:rPr>
               <a:t>キャンセル</a:t>
             </a:r>
-            <a:endParaRPr lang="en-US" altLang="ja-JP" sz="2000" b="1" dirty="0">
+            <a:endParaRPr lang="en-US" altLang="ja-JP" sz="2000" b="1">
               <a:solidFill>
                 <a:schemeClr val="bg1"/>
               </a:solidFill>
@@ -10107,36 +9959,36 @@
           </a:p>
           <a:p>
             <a:r>
-              <a:rPr lang="ja-JP" altLang="en-US" sz="2000" b="1" dirty="0">
+              <a:rPr lang="ja-JP" altLang="en-US" sz="2000" b="1">
                 <a:solidFill>
                   <a:schemeClr val="bg1"/>
                 </a:solidFill>
               </a:rPr>
               <a:t>　→ひとつ前の画面の画面へ</a:t>
             </a:r>
-            <a:endParaRPr lang="en-US" altLang="ja-JP" sz="2000" b="1" dirty="0">
-              <a:solidFill>
-                <a:schemeClr val="bg1"/>
-              </a:solidFill>
-            </a:endParaRPr>
-          </a:p>
-          <a:p>
-            <a:r>
-              <a:rPr lang="ja-JP" altLang="en-US" sz="2000" b="1" dirty="0">
+            <a:endParaRPr lang="en-US" altLang="ja-JP" sz="2000" b="1">
+              <a:solidFill>
+                <a:schemeClr val="bg1"/>
+              </a:solidFill>
+            </a:endParaRPr>
+          </a:p>
+          <a:p>
+            <a:r>
+              <a:rPr lang="ja-JP" altLang="en-US" sz="2000" b="1">
                 <a:solidFill>
                   <a:schemeClr val="bg1"/>
                 </a:solidFill>
               </a:rPr>
               <a:t>　　（＋を押した時の画面へ）</a:t>
             </a:r>
-            <a:endParaRPr lang="en-US" altLang="ja-JP" sz="2000" b="1" dirty="0">
-              <a:solidFill>
-                <a:schemeClr val="bg1"/>
-              </a:solidFill>
-            </a:endParaRPr>
-          </a:p>
-          <a:p>
-            <a:endParaRPr lang="en-US" altLang="ja-JP" sz="1800" b="1" dirty="0">
+            <a:endParaRPr lang="en-US" altLang="ja-JP" sz="2000" b="1">
+              <a:solidFill>
+                <a:schemeClr val="bg1"/>
+              </a:solidFill>
+            </a:endParaRPr>
+          </a:p>
+          <a:p>
+            <a:endParaRPr lang="en-US" altLang="ja-JP" sz="1800" b="1">
               <a:solidFill>
                 <a:schemeClr val="bg1"/>
               </a:solidFill>
@@ -10198,10 +10050,10 @@
       </p:sp>
       <p:pic>
         <p:nvPicPr>
-          <p:cNvPr id="9" name="図 8" descr="グラフィカル ユーザー インターフェイス, アプリケーション&#10;&#10;自動的に生成された説明">
-            <a:extLst>
-              <a:ext uri="{FF2B5EF4-FFF2-40B4-BE49-F238E27FC236}">
-                <a16:creationId xmlns:a16="http://schemas.microsoft.com/office/drawing/2014/main" id="{614A9CD8-DF84-BD42-C3ED-A7B37449E023}"/>
+          <p:cNvPr id="4" name="図 3" descr="グラフィカル ユーザー インターフェイス, アプリケーション&#10;&#10;自動的に生成された説明">
+            <a:extLst>
+              <a:ext uri="{FF2B5EF4-FFF2-40B4-BE49-F238E27FC236}">
+                <a16:creationId xmlns:a16="http://schemas.microsoft.com/office/drawing/2014/main" id="{264E4CDE-6D69-634C-6E9E-C43A629C8E03}"/>
               </a:ext>
             </a:extLst>
           </p:cNvPr>
@@ -10224,8 +10076,8 @@
         </p:blipFill>
         <p:spPr>
           <a:xfrm>
-            <a:off x="4915267" y="1425203"/>
-            <a:ext cx="6436945" cy="4007593"/>
+            <a:off x="5196782" y="1666983"/>
+            <a:ext cx="6155430" cy="3811588"/>
           </a:xfrm>
           <a:prstGeom prst="rect">
             <a:avLst/>
@@ -10389,7 +10241,7 @@
           <a:lstStyle/>
           <a:p>
             <a:r>
-              <a:rPr lang="ja-JP" altLang="en-US" b="1" dirty="0">
+              <a:rPr lang="ja-JP" altLang="en-US" b="1">
                 <a:solidFill>
                   <a:schemeClr val="bg1"/>
                 </a:solidFill>
@@ -10424,37 +10276,37 @@
           </a:bodyPr>
           <a:lstStyle/>
           <a:p>
-            <a:endParaRPr lang="en-US" altLang="ja-JP" sz="2400" b="1" dirty="0">
-              <a:solidFill>
-                <a:schemeClr val="bg1"/>
-              </a:solidFill>
-            </a:endParaRPr>
-          </a:p>
-          <a:p>
-            <a:r>
-              <a:rPr lang="ja-JP" altLang="en-US" sz="2400" b="1" dirty="0">
+            <a:endParaRPr lang="en-US" altLang="ja-JP" sz="2400" b="1">
+              <a:solidFill>
+                <a:schemeClr val="bg1"/>
+              </a:solidFill>
+            </a:endParaRPr>
+          </a:p>
+          <a:p>
+            <a:r>
+              <a:rPr lang="ja-JP" altLang="en-US" sz="2400" b="1">
                 <a:solidFill>
                   <a:schemeClr val="bg1"/>
                 </a:solidFill>
               </a:rPr>
               <a:t>▍アカウント削除機能</a:t>
             </a:r>
-            <a:endParaRPr lang="en-US" altLang="ja-JP" sz="2400" b="1" dirty="0">
-              <a:solidFill>
-                <a:schemeClr val="bg1"/>
-              </a:solidFill>
-            </a:endParaRPr>
-          </a:p>
-          <a:p>
-            <a:endParaRPr lang="en-US" altLang="ja-JP" sz="2400" b="1" dirty="0">
-              <a:solidFill>
-                <a:schemeClr val="bg1"/>
-              </a:solidFill>
-            </a:endParaRPr>
-          </a:p>
-          <a:p>
-            <a:r>
-              <a:rPr lang="ja-JP" altLang="en-US" sz="2000" b="1" dirty="0">
+            <a:endParaRPr lang="en-US" altLang="ja-JP" sz="2400" b="1">
+              <a:solidFill>
+                <a:schemeClr val="bg1"/>
+              </a:solidFill>
+            </a:endParaRPr>
+          </a:p>
+          <a:p>
+            <a:endParaRPr lang="en-US" altLang="ja-JP" sz="2400" b="1">
+              <a:solidFill>
+                <a:schemeClr val="bg1"/>
+              </a:solidFill>
+            </a:endParaRPr>
+          </a:p>
+          <a:p>
+            <a:r>
+              <a:rPr lang="ja-JP" altLang="en-US" sz="2000" b="1">
                 <a:solidFill>
                   <a:schemeClr val="bg1"/>
                 </a:solidFill>
@@ -10464,7 +10316,7 @@
               </a:rPr>
               <a:t>キャンセル</a:t>
             </a:r>
-            <a:endParaRPr lang="en-US" altLang="ja-JP" sz="2000" b="1" dirty="0">
+            <a:endParaRPr lang="en-US" altLang="ja-JP" sz="2000" b="1">
               <a:solidFill>
                 <a:schemeClr val="bg1"/>
               </a:solidFill>
@@ -10475,22 +10327,22 @@
           </a:p>
           <a:p>
             <a:r>
-              <a:rPr lang="ja-JP" altLang="en-US" sz="2000" b="1" dirty="0">
+              <a:rPr lang="ja-JP" altLang="en-US" sz="2000" b="1">
                 <a:solidFill>
                   <a:schemeClr val="bg1"/>
                 </a:solidFill>
               </a:rPr>
               <a:t>　→ プロフィール画面へ</a:t>
             </a:r>
-            <a:endParaRPr lang="en-US" altLang="ja-JP" sz="2000" b="1" dirty="0">
-              <a:solidFill>
-                <a:schemeClr val="bg1"/>
-              </a:solidFill>
-            </a:endParaRPr>
-          </a:p>
-          <a:p>
-            <a:r>
-              <a:rPr lang="ja-JP" altLang="en-US" sz="2000" b="1" dirty="0">
+            <a:endParaRPr lang="en-US" altLang="ja-JP" sz="2000" b="1">
+              <a:solidFill>
+                <a:schemeClr val="bg1"/>
+              </a:solidFill>
+            </a:endParaRPr>
+          </a:p>
+          <a:p>
+            <a:r>
+              <a:rPr lang="ja-JP" altLang="en-US" sz="2000" b="1">
                 <a:solidFill>
                   <a:schemeClr val="bg1"/>
                 </a:solidFill>
@@ -10501,14 +10353,14 @@
               <a:t>削除</a:t>
             </a:r>
             <a:r>
-              <a:rPr lang="ja-JP" altLang="en-US" sz="2000" b="1" dirty="0">
+              <a:rPr lang="ja-JP" altLang="en-US" sz="2000" b="1">
                 <a:solidFill>
                   <a:schemeClr val="bg1"/>
                 </a:solidFill>
               </a:rPr>
               <a:t> → ログイン画面へ</a:t>
             </a:r>
-            <a:endParaRPr lang="en-US" altLang="ja-JP" sz="2000" b="1" dirty="0">
+            <a:endParaRPr lang="en-US" altLang="ja-JP" sz="2000" b="1">
               <a:solidFill>
                 <a:schemeClr val="bg1"/>
               </a:solidFill>
@@ -10544,8 +10396,8 @@
         </p:blipFill>
         <p:spPr>
           <a:xfrm>
-            <a:off x="4768849" y="1522412"/>
-            <a:ext cx="6932169" cy="4330347"/>
+            <a:off x="5003515" y="1781501"/>
+            <a:ext cx="6543391" cy="4087487"/>
           </a:xfrm>
           <a:prstGeom prst="rect">
             <a:avLst/>
@@ -10872,7 +10724,7 @@
           <a:lstStyle/>
           <a:p>
             <a:r>
-              <a:rPr kumimoji="1" lang="ja-JP" altLang="en-US" sz="3200" b="1" dirty="0">
+              <a:rPr kumimoji="1" lang="ja-JP" altLang="en-US" sz="3200" b="1">
                 <a:solidFill>
                   <a:schemeClr val="bg1"/>
                 </a:solidFill>
@@ -10911,14 +10763,14 @@
               <a:buNone/>
             </a:pPr>
             <a:r>
-              <a:rPr lang="ja-JP" altLang="en-US" sz="2400" b="1" dirty="0">
+              <a:rPr lang="ja-JP" altLang="en-US" sz="2400" b="1">
                 <a:solidFill>
                   <a:schemeClr val="bg1"/>
                 </a:solidFill>
               </a:rPr>
               <a:t>▍今回の成果</a:t>
             </a:r>
-            <a:endParaRPr lang="en-US" altLang="ja-JP" sz="2400" b="1" dirty="0">
+            <a:endParaRPr lang="en-US" altLang="ja-JP" sz="2400" b="1">
               <a:solidFill>
                 <a:schemeClr val="bg1"/>
               </a:solidFill>
@@ -10932,14 +10784,14 @@
               <a:buNone/>
             </a:pPr>
             <a:r>
-              <a:rPr lang="ja-JP" altLang="en-US" sz="2400" b="1" dirty="0">
-                <a:solidFill>
-                  <a:schemeClr val="bg1"/>
-                </a:solidFill>
-              </a:rPr>
-              <a:t>ロゴやデザインにこだわってかわいく作れました。</a:t>
-            </a:r>
-            <a:endParaRPr lang="en-US" altLang="ja-JP" sz="2400" b="1" dirty="0">
+              <a:rPr lang="ja-JP" altLang="en-US" sz="2400" b="1">
+                <a:solidFill>
+                  <a:schemeClr val="bg1"/>
+                </a:solidFill>
+              </a:rPr>
+              <a:t>ロゴやデザインにこだわってかわいく作れた。</a:t>
+            </a:r>
+            <a:endParaRPr lang="en-US" altLang="ja-JP" sz="2400" b="1">
               <a:solidFill>
                 <a:schemeClr val="bg1"/>
               </a:solidFill>
@@ -10950,7 +10802,7 @@
               <a:buNone/>
             </a:pPr>
             <a:r>
-              <a:rPr kumimoji="1" lang="ja-JP" altLang="en-US" sz="2400" b="1" dirty="0">
+              <a:rPr kumimoji="1" lang="ja-JP" altLang="en-US" sz="2400" b="1">
                 <a:solidFill>
                   <a:schemeClr val="bg1"/>
                 </a:solidFill>
@@ -10958,14 +10810,14 @@
               <a:t>設計書の</a:t>
             </a:r>
             <a:r>
-              <a:rPr lang="ja-JP" altLang="en-US" sz="2400" b="1" dirty="0">
-                <a:solidFill>
-                  <a:schemeClr val="bg1"/>
-                </a:solidFill>
-              </a:rPr>
-              <a:t>通りにつくることができました。</a:t>
-            </a:r>
-            <a:endParaRPr kumimoji="1" lang="en-US" altLang="ja-JP" sz="2400" b="1" dirty="0">
+              <a:rPr lang="ja-JP" altLang="en-US" sz="2400" b="1">
+                <a:solidFill>
+                  <a:schemeClr val="bg1"/>
+                </a:solidFill>
+              </a:rPr>
+              <a:t>通りにつくることができた。</a:t>
+            </a:r>
+            <a:endParaRPr kumimoji="1" lang="en-US" altLang="ja-JP" sz="2400" b="1">
               <a:solidFill>
                 <a:schemeClr val="bg1"/>
               </a:solidFill>
@@ -10976,14 +10828,14 @@
               <a:buNone/>
             </a:pPr>
             <a:r>
-              <a:rPr lang="ja-JP" altLang="en-US" sz="2400" b="1" dirty="0">
-                <a:solidFill>
-                  <a:schemeClr val="bg1"/>
-                </a:solidFill>
-              </a:rPr>
-              <a:t>また、ユーザー目線で作ることができ使いやすいシステムを月れたと思います。</a:t>
-            </a:r>
-            <a:endParaRPr lang="en-US" altLang="ja-JP" sz="2400" b="1" dirty="0">
+              <a:rPr lang="ja-JP" altLang="en-US" sz="2400" b="1">
+                <a:solidFill>
+                  <a:schemeClr val="bg1"/>
+                </a:solidFill>
+              </a:rPr>
+              <a:t>また、ユーザー目線で作ることができ使いやすいシステムを作れたと思う。</a:t>
+            </a:r>
+            <a:endParaRPr lang="en-US" altLang="ja-JP" sz="2400" b="1">
               <a:solidFill>
                 <a:schemeClr val="bg1"/>
               </a:solidFill>
@@ -10993,7 +10845,7 @@
             <a:pPr marL="0" indent="0">
               <a:buNone/>
             </a:pPr>
-            <a:endParaRPr lang="en-US" altLang="ja-JP" sz="2400" b="1" dirty="0">
+            <a:endParaRPr lang="en-US" altLang="ja-JP" sz="2400" b="1">
               <a:solidFill>
                 <a:schemeClr val="bg1"/>
               </a:solidFill>
@@ -11004,7 +10856,7 @@
               <a:buNone/>
             </a:pPr>
             <a:r>
-              <a:rPr lang="ja-JP" altLang="en-US" sz="2400" b="1" dirty="0">
+              <a:rPr lang="ja-JP" altLang="en-US" sz="2400" b="1">
                 <a:solidFill>
                   <a:schemeClr val="bg1"/>
                 </a:solidFill>
@@ -11012,14 +10864,30 @@
               <a:t>▍</a:t>
             </a:r>
             <a:r>
-              <a:rPr kumimoji="1" lang="ja-JP" altLang="en-US" sz="2400" b="1" dirty="0">
-                <a:solidFill>
-                  <a:schemeClr val="bg1"/>
-                </a:solidFill>
-              </a:rPr>
-              <a:t>今後にむけた改善点</a:t>
-            </a:r>
-            <a:endParaRPr kumimoji="1" lang="en-US" altLang="ja-JP" sz="2400" b="1" dirty="0">
+              <a:rPr kumimoji="1" lang="ja-JP" altLang="en-US" sz="2400" b="1">
+                <a:solidFill>
+                  <a:schemeClr val="bg1"/>
+                </a:solidFill>
+              </a:rPr>
+              <a:t>今後に</a:t>
+            </a:r>
+            <a:r>
+              <a:rPr lang="ja-JP" altLang="en-US" sz="2400" b="1">
+                <a:solidFill>
+                  <a:schemeClr val="bg1"/>
+                </a:solidFill>
+              </a:rPr>
+              <a:t>向け</a:t>
+            </a:r>
+            <a:r>
+              <a:rPr kumimoji="1" lang="ja-JP" altLang="en-US" sz="2400" b="1">
+                <a:solidFill>
+                  <a:schemeClr val="bg1"/>
+                </a:solidFill>
+              </a:rPr>
+              <a:t>た改善点</a:t>
+            </a:r>
+            <a:endParaRPr kumimoji="1" lang="en-US" altLang="ja-JP" sz="2400" b="1">
               <a:solidFill>
                 <a:schemeClr val="bg1"/>
               </a:solidFill>
@@ -11033,7 +10901,7 @@
               <a:buNone/>
             </a:pPr>
             <a:r>
-              <a:rPr lang="ja-JP" altLang="en-US" sz="2400" b="1" dirty="0">
+              <a:rPr lang="ja-JP" altLang="en-US" sz="2400" b="1">
                 <a:solidFill>
                   <a:schemeClr val="bg1"/>
                 </a:solidFill>
@@ -11041,14 +10909,14 @@
               <a:t>仕事量にだいぶ偏りがあったこと</a:t>
             </a:r>
             <a:r>
-              <a:rPr lang="ja-JP" altLang="en-US" b="1" dirty="0">
+              <a:rPr lang="ja-JP" altLang="en-US" b="1">
                 <a:solidFill>
                   <a:schemeClr val="bg1"/>
                 </a:solidFill>
               </a:rPr>
               <a:t>。</a:t>
             </a:r>
-            <a:endParaRPr lang="en-US" altLang="ja-JP" b="1" dirty="0">
+            <a:endParaRPr lang="en-US" altLang="ja-JP" b="1">
               <a:solidFill>
                 <a:schemeClr val="bg1"/>
               </a:solidFill>
@@ -11060,48 +10928,48 @@
                 <a:spcPct val="150000"/>
               </a:lnSpc>
             </a:pPr>
-            <a:endParaRPr kumimoji="1" lang="en-US" altLang="ja-JP" b="1" dirty="0">
-              <a:solidFill>
-                <a:schemeClr val="bg1"/>
-              </a:solidFill>
-            </a:endParaRPr>
-          </a:p>
-          <a:p>
-            <a:endParaRPr kumimoji="1" lang="en-US" altLang="ja-JP" b="1" dirty="0">
-              <a:solidFill>
-                <a:schemeClr val="bg1"/>
-              </a:solidFill>
-            </a:endParaRPr>
-          </a:p>
-          <a:p>
-            <a:endParaRPr lang="en-US" altLang="ja-JP" sz="2400" b="1" dirty="0">
-              <a:solidFill>
-                <a:schemeClr val="bg1"/>
-              </a:solidFill>
-            </a:endParaRPr>
-          </a:p>
-          <a:p>
-            <a:endParaRPr kumimoji="1" lang="en-US" altLang="ja-JP" sz="2400" b="1" dirty="0">
-              <a:solidFill>
-                <a:schemeClr val="bg1"/>
-              </a:solidFill>
-            </a:endParaRPr>
-          </a:p>
-          <a:p>
-            <a:endParaRPr kumimoji="1" lang="en-US" altLang="ja-JP" sz="2400" dirty="0">
-              <a:solidFill>
-                <a:schemeClr val="bg1"/>
-              </a:solidFill>
-            </a:endParaRPr>
-          </a:p>
-          <a:p>
-            <a:endParaRPr kumimoji="1" lang="en-US" altLang="ja-JP" sz="3200" dirty="0"/>
+            <a:endParaRPr kumimoji="1" lang="en-US" altLang="ja-JP" b="1">
+              <a:solidFill>
+                <a:schemeClr val="bg1"/>
+              </a:solidFill>
+            </a:endParaRPr>
+          </a:p>
+          <a:p>
+            <a:endParaRPr kumimoji="1" lang="en-US" altLang="ja-JP" b="1">
+              <a:solidFill>
+                <a:schemeClr val="bg1"/>
+              </a:solidFill>
+            </a:endParaRPr>
+          </a:p>
+          <a:p>
+            <a:endParaRPr lang="en-US" altLang="ja-JP" sz="2400" b="1">
+              <a:solidFill>
+                <a:schemeClr val="bg1"/>
+              </a:solidFill>
+            </a:endParaRPr>
+          </a:p>
+          <a:p>
+            <a:endParaRPr kumimoji="1" lang="en-US" altLang="ja-JP" sz="2400" b="1">
+              <a:solidFill>
+                <a:schemeClr val="bg1"/>
+              </a:solidFill>
+            </a:endParaRPr>
+          </a:p>
+          <a:p>
+            <a:endParaRPr kumimoji="1" lang="en-US" altLang="ja-JP" sz="2400">
+              <a:solidFill>
+                <a:schemeClr val="bg1"/>
+              </a:solidFill>
+            </a:endParaRPr>
+          </a:p>
+          <a:p>
+            <a:endParaRPr kumimoji="1" lang="en-US" altLang="ja-JP" sz="3200"/>
           </a:p>
           <a:p>
             <a:pPr marL="0" indent="0">
               <a:buNone/>
             </a:pPr>
-            <a:endParaRPr kumimoji="1" lang="ja-JP" altLang="en-US" dirty="0"/>
+            <a:endParaRPr kumimoji="1" lang="ja-JP" altLang="en-US"/>
           </a:p>
         </p:txBody>
       </p:sp>
@@ -11301,7 +11169,7 @@
           <a:lstStyle/>
           <a:p>
             <a:r>
-              <a:rPr kumimoji="1" lang="ja-JP" altLang="en-US" sz="3200" b="1" dirty="0">
+              <a:rPr kumimoji="1" lang="ja-JP" altLang="en-US" sz="3200" b="1">
                 <a:solidFill>
                   <a:schemeClr val="bg1"/>
                 </a:solidFill>
@@ -11340,14 +11208,14 @@
               <a:buNone/>
             </a:pPr>
             <a:r>
-              <a:rPr lang="ja-JP" altLang="en-US" sz="2400" b="1" dirty="0">
+              <a:rPr lang="ja-JP" altLang="en-US" sz="2400" b="1">
                 <a:solidFill>
                   <a:schemeClr val="bg1"/>
                 </a:solidFill>
               </a:rPr>
               <a:t>▍制作目的</a:t>
             </a:r>
-            <a:endParaRPr lang="en-US" altLang="ja-JP" sz="2400" b="1" dirty="0">
+            <a:endParaRPr lang="en-US" altLang="ja-JP" sz="2400" b="1">
               <a:solidFill>
                 <a:schemeClr val="bg1"/>
               </a:solidFill>
@@ -11360,14 +11228,14 @@
               </a:lnSpc>
             </a:pPr>
             <a:r>
-              <a:rPr kumimoji="1" lang="ja-JP" altLang="en-US" b="1" dirty="0">
+              <a:rPr kumimoji="1" lang="ja-JP" altLang="en-US" b="1">
                 <a:solidFill>
                   <a:schemeClr val="bg1"/>
                 </a:solidFill>
               </a:rPr>
               <a:t>音楽を通じてコミュニケーションをとれる場を作りたい</a:t>
             </a:r>
-            <a:endParaRPr lang="en-US" altLang="ja-JP" b="1" dirty="0">
+            <a:endParaRPr lang="en-US" altLang="ja-JP" b="1">
               <a:solidFill>
                 <a:schemeClr val="bg1"/>
               </a:solidFill>
@@ -11380,14 +11248,14 @@
               </a:lnSpc>
             </a:pPr>
             <a:r>
-              <a:rPr kumimoji="1" lang="ja-JP" altLang="en-US" b="1" dirty="0">
+              <a:rPr kumimoji="1" lang="ja-JP" altLang="en-US" b="1">
                 <a:solidFill>
                   <a:schemeClr val="bg1"/>
                 </a:solidFill>
               </a:rPr>
               <a:t>音楽の情報を収集、共有できる場の提供</a:t>
             </a:r>
-            <a:endParaRPr kumimoji="1" lang="en-US" altLang="ja-JP" b="1" dirty="0">
+            <a:endParaRPr kumimoji="1" lang="en-US" altLang="ja-JP" b="1">
               <a:solidFill>
                 <a:schemeClr val="bg1"/>
               </a:solidFill>
@@ -11397,7 +11265,7 @@
             <a:pPr marL="0" indent="0">
               <a:buNone/>
             </a:pPr>
-            <a:endParaRPr lang="en-US" altLang="ja-JP" b="1" dirty="0">
+            <a:endParaRPr lang="en-US" altLang="ja-JP" b="1">
               <a:solidFill>
                 <a:schemeClr val="bg1"/>
               </a:solidFill>
@@ -11408,14 +11276,14 @@
               <a:buNone/>
             </a:pPr>
             <a:r>
-              <a:rPr lang="ja-JP" altLang="en-US" sz="2400" b="1" dirty="0">
+              <a:rPr lang="ja-JP" altLang="en-US" sz="2400" b="1">
                 <a:solidFill>
                   <a:schemeClr val="bg1"/>
                 </a:solidFill>
               </a:rPr>
               <a:t>▍利用目的</a:t>
             </a:r>
-            <a:endParaRPr lang="en-US" altLang="ja-JP" sz="2400" b="1" dirty="0">
+            <a:endParaRPr lang="en-US" altLang="ja-JP" sz="2400" b="1">
               <a:solidFill>
                 <a:schemeClr val="bg1"/>
               </a:solidFill>
@@ -11428,76 +11296,76 @@
               </a:lnSpc>
             </a:pPr>
             <a:r>
-              <a:rPr kumimoji="1" lang="ja-JP" altLang="en-US" b="1" dirty="0">
+              <a:rPr kumimoji="1" lang="ja-JP" altLang="en-US" b="1">
                 <a:solidFill>
                   <a:schemeClr val="bg1"/>
                 </a:solidFill>
               </a:rPr>
               <a:t>同じ音楽の趣味を持つ人を見つけたい</a:t>
             </a:r>
-            <a:endParaRPr lang="en-US" altLang="ja-JP" b="1" dirty="0">
-              <a:solidFill>
-                <a:schemeClr val="bg1"/>
-              </a:solidFill>
-            </a:endParaRPr>
-          </a:p>
-          <a:p>
-            <a:endParaRPr kumimoji="1" lang="en-US" altLang="ja-JP" b="1" dirty="0">
-              <a:solidFill>
-                <a:schemeClr val="bg1"/>
-              </a:solidFill>
-            </a:endParaRPr>
-          </a:p>
-          <a:p>
-            <a:endParaRPr lang="en-US" altLang="ja-JP" b="1" dirty="0">
-              <a:solidFill>
-                <a:schemeClr val="bg1"/>
-              </a:solidFill>
-            </a:endParaRPr>
-          </a:p>
-          <a:p>
-            <a:endParaRPr kumimoji="1" lang="en-US" altLang="ja-JP" b="1" dirty="0">
-              <a:solidFill>
-                <a:schemeClr val="bg1"/>
-              </a:solidFill>
-            </a:endParaRPr>
-          </a:p>
-          <a:p>
-            <a:endParaRPr kumimoji="1" lang="en-US" altLang="ja-JP" b="1" dirty="0">
-              <a:solidFill>
-                <a:schemeClr val="bg1"/>
-              </a:solidFill>
-            </a:endParaRPr>
-          </a:p>
-          <a:p>
-            <a:endParaRPr lang="en-US" altLang="ja-JP" sz="2400" b="1" dirty="0">
-              <a:solidFill>
-                <a:schemeClr val="bg1"/>
-              </a:solidFill>
-            </a:endParaRPr>
-          </a:p>
-          <a:p>
-            <a:endParaRPr kumimoji="1" lang="en-US" altLang="ja-JP" sz="2400" b="1" dirty="0">
-              <a:solidFill>
-                <a:schemeClr val="bg1"/>
-              </a:solidFill>
-            </a:endParaRPr>
-          </a:p>
-          <a:p>
-            <a:endParaRPr kumimoji="1" lang="en-US" altLang="ja-JP" sz="2400" dirty="0">
-              <a:solidFill>
-                <a:schemeClr val="bg1"/>
-              </a:solidFill>
-            </a:endParaRPr>
-          </a:p>
-          <a:p>
-            <a:endParaRPr kumimoji="1" lang="en-US" altLang="ja-JP" sz="3200" dirty="0"/>
+            <a:endParaRPr lang="en-US" altLang="ja-JP" b="1">
+              <a:solidFill>
+                <a:schemeClr val="bg1"/>
+              </a:solidFill>
+            </a:endParaRPr>
+          </a:p>
+          <a:p>
+            <a:endParaRPr kumimoji="1" lang="en-US" altLang="ja-JP" b="1">
+              <a:solidFill>
+                <a:schemeClr val="bg1"/>
+              </a:solidFill>
+            </a:endParaRPr>
+          </a:p>
+          <a:p>
+            <a:endParaRPr lang="en-US" altLang="ja-JP" b="1">
+              <a:solidFill>
+                <a:schemeClr val="bg1"/>
+              </a:solidFill>
+            </a:endParaRPr>
+          </a:p>
+          <a:p>
+            <a:endParaRPr kumimoji="1" lang="en-US" altLang="ja-JP" b="1">
+              <a:solidFill>
+                <a:schemeClr val="bg1"/>
+              </a:solidFill>
+            </a:endParaRPr>
+          </a:p>
+          <a:p>
+            <a:endParaRPr kumimoji="1" lang="en-US" altLang="ja-JP" b="1">
+              <a:solidFill>
+                <a:schemeClr val="bg1"/>
+              </a:solidFill>
+            </a:endParaRPr>
+          </a:p>
+          <a:p>
+            <a:endParaRPr lang="en-US" altLang="ja-JP" sz="2400" b="1">
+              <a:solidFill>
+                <a:schemeClr val="bg1"/>
+              </a:solidFill>
+            </a:endParaRPr>
+          </a:p>
+          <a:p>
+            <a:endParaRPr kumimoji="1" lang="en-US" altLang="ja-JP" sz="2400" b="1">
+              <a:solidFill>
+                <a:schemeClr val="bg1"/>
+              </a:solidFill>
+            </a:endParaRPr>
+          </a:p>
+          <a:p>
+            <a:endParaRPr kumimoji="1" lang="en-US" altLang="ja-JP" sz="2400">
+              <a:solidFill>
+                <a:schemeClr val="bg1"/>
+              </a:solidFill>
+            </a:endParaRPr>
+          </a:p>
+          <a:p>
+            <a:endParaRPr kumimoji="1" lang="en-US" altLang="ja-JP" sz="3200"/>
           </a:p>
           <a:p>
             <a:pPr marL="0" indent="0">
               <a:buNone/>
             </a:pPr>
-            <a:endParaRPr kumimoji="1" lang="ja-JP" altLang="en-US" dirty="0"/>
+            <a:endParaRPr kumimoji="1" lang="ja-JP" altLang="en-US"/>
           </a:p>
         </p:txBody>
       </p:sp>
@@ -11697,7 +11565,7 @@
           <a:lstStyle/>
           <a:p>
             <a:r>
-              <a:rPr lang="ja-JP" altLang="en-US" sz="3200" b="1" dirty="0">
+              <a:rPr lang="ja-JP" altLang="en-US" sz="3200" b="1">
                 <a:solidFill>
                   <a:schemeClr val="bg1"/>
                 </a:solidFill>
@@ -11706,7 +11574,7 @@
               </a:rPr>
               <a:t>チーム体制・役割分担</a:t>
             </a:r>
-            <a:endParaRPr kumimoji="1" lang="ja-JP" altLang="en-US" sz="3200" b="1" dirty="0">
+            <a:endParaRPr kumimoji="1" lang="ja-JP" altLang="en-US" sz="3200" b="1">
               <a:solidFill>
                 <a:schemeClr val="bg1"/>
               </a:solidFill>
@@ -11746,7 +11614,7 @@
               <a:buNone/>
             </a:pPr>
             <a:r>
-              <a:rPr lang="ja-JP" altLang="en-US" b="1" dirty="0">
+              <a:rPr lang="ja-JP" altLang="en-US" b="1">
                 <a:solidFill>
                   <a:schemeClr val="bg1"/>
                 </a:solidFill>
@@ -11754,7 +11622,7 @@
               <a:t>▍ロゴ</a:t>
             </a:r>
             <a:r>
-              <a:rPr lang="en-US" altLang="ja-JP" b="1" dirty="0">
+              <a:rPr lang="en-US" altLang="ja-JP" b="1">
                 <a:solidFill>
                   <a:schemeClr val="bg1"/>
                 </a:solidFill>
@@ -11762,14 +11630,14 @@
               <a:t>…</a:t>
             </a:r>
             <a:r>
-              <a:rPr lang="ja-JP" altLang="en-US" b="1" dirty="0">
+              <a:rPr lang="ja-JP" altLang="en-US" b="1">
                 <a:solidFill>
                   <a:schemeClr val="bg1"/>
                 </a:solidFill>
               </a:rPr>
               <a:t>藤原</a:t>
             </a:r>
-            <a:endParaRPr lang="en-US" altLang="ja-JP" b="1" dirty="0">
+            <a:endParaRPr lang="en-US" altLang="ja-JP" b="1">
               <a:solidFill>
                 <a:schemeClr val="bg1"/>
               </a:solidFill>
@@ -11783,7 +11651,7 @@
               <a:buNone/>
             </a:pPr>
             <a:r>
-              <a:rPr lang="ja-JP" altLang="en-US" sz="2800" b="1" dirty="0">
+              <a:rPr lang="ja-JP" altLang="en-US" sz="2800" b="1">
                 <a:solidFill>
                   <a:schemeClr val="bg1"/>
                 </a:solidFill>
@@ -11791,7 +11659,7 @@
               <a:t>▍画面設計書</a:t>
             </a:r>
             <a:r>
-              <a:rPr lang="en-US" altLang="ja-JP" sz="2800" b="1" dirty="0">
+              <a:rPr lang="en-US" altLang="ja-JP" sz="2800" b="1">
                 <a:solidFill>
                   <a:schemeClr val="bg1"/>
                 </a:solidFill>
@@ -11799,14 +11667,14 @@
               <a:t>…</a:t>
             </a:r>
             <a:r>
-              <a:rPr lang="ja-JP" altLang="en-US" sz="2800" b="1" dirty="0">
+              <a:rPr lang="ja-JP" altLang="en-US" sz="2800" b="1">
                 <a:solidFill>
                   <a:schemeClr val="bg1"/>
                 </a:solidFill>
               </a:rPr>
               <a:t>全員</a:t>
             </a:r>
-            <a:endParaRPr lang="en-US" altLang="ja-JP" sz="2800" b="1" dirty="0">
+            <a:endParaRPr lang="en-US" altLang="ja-JP" sz="2800" b="1">
               <a:solidFill>
                 <a:schemeClr val="bg1"/>
               </a:solidFill>
@@ -11820,7 +11688,7 @@
               <a:buNone/>
             </a:pPr>
             <a:r>
-              <a:rPr lang="ja-JP" altLang="en-US" sz="2800" b="1" dirty="0">
+              <a:rPr lang="ja-JP" altLang="en-US" sz="2800" b="1">
                 <a:solidFill>
                   <a:schemeClr val="bg1"/>
                 </a:solidFill>
@@ -11828,7 +11696,7 @@
               <a:t>▍</a:t>
             </a:r>
             <a:r>
-              <a:rPr lang="ja-JP" altLang="en-US" b="1" dirty="0">
+              <a:rPr lang="ja-JP" altLang="en-US" b="1">
                 <a:solidFill>
                   <a:schemeClr val="bg1"/>
                 </a:solidFill>
@@ -11836,7 +11704,7 @@
               <a:t>データベース設計書</a:t>
             </a:r>
             <a:r>
-              <a:rPr lang="en-US" altLang="ja-JP" b="1" dirty="0">
+              <a:rPr lang="en-US" altLang="ja-JP" b="1">
                 <a:solidFill>
                   <a:schemeClr val="bg1"/>
                 </a:solidFill>
@@ -11844,14 +11712,14 @@
               <a:t>…</a:t>
             </a:r>
             <a:r>
-              <a:rPr lang="ja-JP" altLang="en-US" b="1" dirty="0">
+              <a:rPr lang="ja-JP" altLang="en-US" b="1">
                 <a:solidFill>
                   <a:schemeClr val="bg1"/>
                 </a:solidFill>
               </a:rPr>
               <a:t>全員</a:t>
             </a:r>
-            <a:endParaRPr lang="en-US" altLang="ja-JP" b="1" dirty="0">
+            <a:endParaRPr lang="en-US" altLang="ja-JP" b="1">
               <a:solidFill>
                 <a:schemeClr val="bg1"/>
               </a:solidFill>
@@ -11865,7 +11733,7 @@
               <a:buNone/>
             </a:pPr>
             <a:r>
-              <a:rPr lang="ja-JP" altLang="en-US" sz="2800" b="1" dirty="0">
+              <a:rPr lang="ja-JP" altLang="en-US" sz="2800" b="1">
                 <a:solidFill>
                   <a:schemeClr val="bg1"/>
                 </a:solidFill>
@@ -11873,7 +11741,7 @@
               <a:t>▍</a:t>
             </a:r>
             <a:r>
-              <a:rPr lang="ja-JP" altLang="en-US" b="1" dirty="0">
+              <a:rPr lang="ja-JP" altLang="en-US" b="1">
                 <a:solidFill>
                   <a:schemeClr val="bg1"/>
                 </a:solidFill>
@@ -11881,7 +11749,7 @@
               <a:t>フロントエンド</a:t>
             </a:r>
             <a:r>
-              <a:rPr lang="en-US" altLang="ja-JP" b="1" dirty="0">
+              <a:rPr lang="en-US" altLang="ja-JP" b="1">
                 <a:solidFill>
                   <a:schemeClr val="bg1"/>
                 </a:solidFill>
@@ -11889,14 +11757,14 @@
               <a:t>…</a:t>
             </a:r>
             <a:r>
-              <a:rPr lang="ja-JP" altLang="en-US" b="1" dirty="0">
+              <a:rPr lang="ja-JP" altLang="en-US" b="1">
                 <a:solidFill>
                   <a:schemeClr val="bg1"/>
                 </a:solidFill>
               </a:rPr>
               <a:t>山西、山根、中井</a:t>
             </a:r>
-            <a:endParaRPr lang="en-US" altLang="ja-JP" b="1" dirty="0">
+            <a:endParaRPr lang="en-US" altLang="ja-JP" b="1">
               <a:solidFill>
                 <a:schemeClr val="bg1"/>
               </a:solidFill>
@@ -11910,7 +11778,7 @@
               <a:buNone/>
             </a:pPr>
             <a:r>
-              <a:rPr lang="ja-JP" altLang="en-US" sz="2800" b="1" dirty="0">
+              <a:rPr lang="ja-JP" altLang="en-US" sz="2800" b="1">
                 <a:solidFill>
                   <a:schemeClr val="bg1"/>
                 </a:solidFill>
@@ -11918,7 +11786,7 @@
               <a:t>▍バックエンド</a:t>
             </a:r>
             <a:r>
-              <a:rPr lang="en-US" altLang="ja-JP" sz="2800" b="1" dirty="0">
+              <a:rPr lang="en-US" altLang="ja-JP" sz="2800" b="1">
                 <a:solidFill>
                   <a:schemeClr val="bg1"/>
                 </a:solidFill>
@@ -11926,14 +11794,14 @@
               <a:t>…</a:t>
             </a:r>
             <a:r>
-              <a:rPr lang="ja-JP" altLang="en-US" b="1" dirty="0">
+              <a:rPr lang="ja-JP" altLang="en-US" b="1">
                 <a:solidFill>
                   <a:schemeClr val="bg1"/>
                 </a:solidFill>
               </a:rPr>
               <a:t>山西、山根、中井</a:t>
             </a:r>
-            <a:endParaRPr lang="en-US" altLang="ja-JP" b="1" dirty="0">
+            <a:endParaRPr lang="en-US" altLang="ja-JP" b="1">
               <a:solidFill>
                 <a:schemeClr val="bg1"/>
               </a:solidFill>
@@ -11943,62 +11811,62 @@
             <a:pPr marL="0" indent="0">
               <a:buNone/>
             </a:pPr>
-            <a:endParaRPr kumimoji="1" lang="en-US" altLang="ja-JP" b="1" dirty="0">
-              <a:solidFill>
-                <a:schemeClr val="bg1"/>
-              </a:solidFill>
-            </a:endParaRPr>
-          </a:p>
-          <a:p>
-            <a:endParaRPr lang="en-US" altLang="ja-JP" b="1" dirty="0">
-              <a:solidFill>
-                <a:schemeClr val="bg1"/>
-              </a:solidFill>
-            </a:endParaRPr>
-          </a:p>
-          <a:p>
-            <a:endParaRPr kumimoji="1" lang="en-US" altLang="ja-JP" b="1" dirty="0">
-              <a:solidFill>
-                <a:schemeClr val="bg1"/>
-              </a:solidFill>
-            </a:endParaRPr>
-          </a:p>
-          <a:p>
-            <a:endParaRPr kumimoji="1" lang="en-US" altLang="ja-JP" b="1" dirty="0">
-              <a:solidFill>
-                <a:schemeClr val="bg1"/>
-              </a:solidFill>
-            </a:endParaRPr>
-          </a:p>
-          <a:p>
-            <a:endParaRPr lang="en-US" altLang="ja-JP" sz="2400" b="1" dirty="0">
-              <a:solidFill>
-                <a:schemeClr val="bg1"/>
-              </a:solidFill>
-            </a:endParaRPr>
-          </a:p>
-          <a:p>
-            <a:endParaRPr kumimoji="1" lang="en-US" altLang="ja-JP" sz="2400" b="1" dirty="0">
-              <a:solidFill>
-                <a:schemeClr val="bg1"/>
-              </a:solidFill>
-            </a:endParaRPr>
-          </a:p>
-          <a:p>
-            <a:endParaRPr kumimoji="1" lang="en-US" altLang="ja-JP" sz="2400" dirty="0">
-              <a:solidFill>
-                <a:schemeClr val="bg1"/>
-              </a:solidFill>
-            </a:endParaRPr>
-          </a:p>
-          <a:p>
-            <a:endParaRPr kumimoji="1" lang="en-US" altLang="ja-JP" sz="3200" dirty="0"/>
+            <a:endParaRPr kumimoji="1" lang="en-US" altLang="ja-JP" b="1">
+              <a:solidFill>
+                <a:schemeClr val="bg1"/>
+              </a:solidFill>
+            </a:endParaRPr>
+          </a:p>
+          <a:p>
+            <a:endParaRPr lang="en-US" altLang="ja-JP" b="1">
+              <a:solidFill>
+                <a:schemeClr val="bg1"/>
+              </a:solidFill>
+            </a:endParaRPr>
+          </a:p>
+          <a:p>
+            <a:endParaRPr kumimoji="1" lang="en-US" altLang="ja-JP" b="1">
+              <a:solidFill>
+                <a:schemeClr val="bg1"/>
+              </a:solidFill>
+            </a:endParaRPr>
+          </a:p>
+          <a:p>
+            <a:endParaRPr kumimoji="1" lang="en-US" altLang="ja-JP" b="1">
+              <a:solidFill>
+                <a:schemeClr val="bg1"/>
+              </a:solidFill>
+            </a:endParaRPr>
+          </a:p>
+          <a:p>
+            <a:endParaRPr lang="en-US" altLang="ja-JP" sz="2400" b="1">
+              <a:solidFill>
+                <a:schemeClr val="bg1"/>
+              </a:solidFill>
+            </a:endParaRPr>
+          </a:p>
+          <a:p>
+            <a:endParaRPr kumimoji="1" lang="en-US" altLang="ja-JP" sz="2400" b="1">
+              <a:solidFill>
+                <a:schemeClr val="bg1"/>
+              </a:solidFill>
+            </a:endParaRPr>
+          </a:p>
+          <a:p>
+            <a:endParaRPr kumimoji="1" lang="en-US" altLang="ja-JP" sz="2400">
+              <a:solidFill>
+                <a:schemeClr val="bg1"/>
+              </a:solidFill>
+            </a:endParaRPr>
+          </a:p>
+          <a:p>
+            <a:endParaRPr kumimoji="1" lang="en-US" altLang="ja-JP" sz="3200"/>
           </a:p>
           <a:p>
             <a:pPr marL="0" indent="0">
               <a:buNone/>
             </a:pPr>
-            <a:endParaRPr kumimoji="1" lang="ja-JP" altLang="en-US" dirty="0"/>
+            <a:endParaRPr kumimoji="1" lang="ja-JP" altLang="en-US"/>
           </a:p>
         </p:txBody>
       </p:sp>
@@ -12198,7 +12066,7 @@
           <a:lstStyle/>
           <a:p>
             <a:r>
-              <a:rPr lang="ja-JP" altLang="en-US" sz="3200" b="1" dirty="0">
+              <a:rPr lang="ja-JP" altLang="en-US" sz="3200" b="1">
                 <a:solidFill>
                   <a:schemeClr val="bg1"/>
                 </a:solidFill>
@@ -12207,7 +12075,7 @@
               </a:rPr>
               <a:t>機能一覧</a:t>
             </a:r>
-            <a:endParaRPr kumimoji="1" lang="ja-JP" altLang="en-US" sz="3200" b="1" dirty="0">
+            <a:endParaRPr kumimoji="1" lang="ja-JP" altLang="en-US" sz="3200" b="1">
               <a:solidFill>
                 <a:schemeClr val="bg1"/>
               </a:solidFill>
@@ -12248,7 +12116,7 @@
             <a:pPr marL="0" indent="0">
               <a:buNone/>
             </a:pPr>
-            <a:endParaRPr lang="en-US" altLang="ja-JP" sz="2400" b="1" dirty="0">
+            <a:endParaRPr lang="en-US" altLang="ja-JP" sz="2400" b="1">
               <a:solidFill>
                 <a:schemeClr val="bg1"/>
               </a:solidFill>
@@ -12261,7 +12129,7 @@
               </a:lnSpc>
             </a:pPr>
             <a:r>
-              <a:rPr lang="ja-JP" altLang="en-US" sz="2400" b="1" dirty="0">
+              <a:rPr lang="ja-JP" altLang="en-US" sz="2400" b="1">
                 <a:solidFill>
                   <a:schemeClr val="bg1"/>
                 </a:solidFill>
@@ -12269,7 +12137,7 @@
               <a:t>ログイン機能</a:t>
             </a:r>
             <a:r>
-              <a:rPr lang="en-US" altLang="ja-JP" sz="2400" b="1" dirty="0">
+              <a:rPr lang="en-US" altLang="ja-JP" sz="2400" b="1">
                 <a:solidFill>
                   <a:schemeClr val="bg1"/>
                 </a:solidFill>
@@ -12284,14 +12152,14 @@
               </a:lnSpc>
             </a:pPr>
             <a:r>
-              <a:rPr lang="ja-JP" altLang="en-US" sz="2400" b="1" dirty="0">
+              <a:rPr lang="ja-JP" altLang="en-US" sz="2400" b="1">
                 <a:solidFill>
                   <a:schemeClr val="bg1"/>
                 </a:solidFill>
               </a:rPr>
               <a:t>ログアウト機能</a:t>
             </a:r>
-            <a:endParaRPr lang="en-US" altLang="ja-JP" sz="2400" b="1" dirty="0">
+            <a:endParaRPr lang="en-US" altLang="ja-JP" sz="2400" b="1">
               <a:solidFill>
                 <a:schemeClr val="bg1"/>
               </a:solidFill>
@@ -12304,14 +12172,14 @@
               </a:lnSpc>
             </a:pPr>
             <a:r>
-              <a:rPr kumimoji="1" lang="ja-JP" altLang="en-US" sz="2400" b="1" dirty="0">
+              <a:rPr kumimoji="1" lang="ja-JP" altLang="en-US" sz="2400" b="1">
                 <a:solidFill>
                   <a:schemeClr val="bg1"/>
                 </a:solidFill>
               </a:rPr>
               <a:t>新規登録機能</a:t>
             </a:r>
-            <a:endParaRPr kumimoji="1" lang="en-US" altLang="ja-JP" sz="2400" b="1" dirty="0">
+            <a:endParaRPr kumimoji="1" lang="en-US" altLang="ja-JP" sz="2400" b="1">
               <a:solidFill>
                 <a:schemeClr val="bg1"/>
               </a:solidFill>
@@ -12324,14 +12192,14 @@
               </a:lnSpc>
             </a:pPr>
             <a:r>
-              <a:rPr lang="ja-JP" altLang="en-US" sz="2400" b="1" dirty="0">
+              <a:rPr lang="ja-JP" altLang="en-US" sz="2400" b="1">
                 <a:solidFill>
                   <a:schemeClr val="bg1"/>
                 </a:solidFill>
               </a:rPr>
               <a:t>新規投稿機能</a:t>
             </a:r>
-            <a:endParaRPr lang="en-US" altLang="ja-JP" sz="2400" b="1" dirty="0">
+            <a:endParaRPr lang="en-US" altLang="ja-JP" sz="2400" b="1">
               <a:solidFill>
                 <a:schemeClr val="bg1"/>
               </a:solidFill>
@@ -12344,7 +12212,7 @@
               </a:lnSpc>
             </a:pPr>
             <a:r>
-              <a:rPr kumimoji="1" lang="ja-JP" altLang="en-US" sz="2400" b="1" dirty="0">
+              <a:rPr kumimoji="1" lang="ja-JP" altLang="en-US" sz="2400" b="1">
                 <a:solidFill>
                   <a:schemeClr val="bg1"/>
                 </a:solidFill>
@@ -12352,14 +12220,14 @@
               <a:t>投稿表示機能</a:t>
             </a:r>
             <a:r>
-              <a:rPr lang="ja-JP" altLang="en-US" sz="2400" b="1" dirty="0">
+              <a:rPr lang="ja-JP" altLang="en-US" sz="2400" b="1">
                 <a:solidFill>
                   <a:schemeClr val="bg1"/>
                 </a:solidFill>
               </a:rPr>
               <a:t>（ジャンル別）</a:t>
             </a:r>
-            <a:endParaRPr lang="en-US" altLang="ja-JP" sz="2400" b="1" dirty="0">
+            <a:endParaRPr lang="en-US" altLang="ja-JP" sz="2400" b="1">
               <a:solidFill>
                 <a:schemeClr val="bg1"/>
               </a:solidFill>
@@ -12372,14 +12240,14 @@
               </a:lnSpc>
             </a:pPr>
             <a:r>
-              <a:rPr lang="ja-JP" altLang="en-US" sz="2400" b="1" dirty="0">
+              <a:rPr lang="ja-JP" altLang="en-US" sz="2400" b="1">
                 <a:solidFill>
                   <a:schemeClr val="bg1"/>
                 </a:solidFill>
               </a:rPr>
               <a:t>投稿返信機能</a:t>
             </a:r>
-            <a:endParaRPr lang="en-US" altLang="ja-JP" sz="2400" b="1" dirty="0">
+            <a:endParaRPr lang="en-US" altLang="ja-JP" sz="2400" b="1">
               <a:solidFill>
                 <a:schemeClr val="bg1"/>
               </a:solidFill>
@@ -12392,38 +12260,38 @@
               </a:lnSpc>
             </a:pPr>
             <a:r>
-              <a:rPr lang="ja-JP" altLang="en-US" sz="2400" b="1" dirty="0">
+              <a:rPr lang="ja-JP" altLang="en-US" sz="2400" b="1">
                 <a:solidFill>
                   <a:schemeClr val="bg1"/>
                 </a:solidFill>
               </a:rPr>
               <a:t>投稿削除機能</a:t>
             </a:r>
-            <a:endParaRPr kumimoji="1" lang="en-US" altLang="ja-JP" sz="2000" b="1" dirty="0">
-              <a:solidFill>
-                <a:schemeClr val="bg1"/>
-              </a:solidFill>
-            </a:endParaRPr>
-          </a:p>
-          <a:p>
-            <a:endParaRPr kumimoji="1" lang="en-US" altLang="ja-JP" sz="2000" b="1" dirty="0">
-              <a:solidFill>
-                <a:schemeClr val="bg1"/>
-              </a:solidFill>
-            </a:endParaRPr>
-          </a:p>
-          <a:p>
-            <a:endParaRPr kumimoji="1" lang="en-US" altLang="ja-JP" sz="2000" dirty="0">
-              <a:solidFill>
-                <a:schemeClr val="bg1"/>
-              </a:solidFill>
-            </a:endParaRPr>
-          </a:p>
-          <a:p>
-            <a:endParaRPr kumimoji="1" lang="en-US" altLang="ja-JP" dirty="0"/>
-          </a:p>
-          <a:p>
-            <a:endParaRPr kumimoji="1" lang="ja-JP" altLang="en-US" dirty="0"/>
+            <a:endParaRPr kumimoji="1" lang="en-US" altLang="ja-JP" sz="2000" b="1">
+              <a:solidFill>
+                <a:schemeClr val="bg1"/>
+              </a:solidFill>
+            </a:endParaRPr>
+          </a:p>
+          <a:p>
+            <a:endParaRPr kumimoji="1" lang="en-US" altLang="ja-JP" sz="2000" b="1">
+              <a:solidFill>
+                <a:schemeClr val="bg1"/>
+              </a:solidFill>
+            </a:endParaRPr>
+          </a:p>
+          <a:p>
+            <a:endParaRPr kumimoji="1" lang="en-US" altLang="ja-JP" sz="2000">
+              <a:solidFill>
+                <a:schemeClr val="bg1"/>
+              </a:solidFill>
+            </a:endParaRPr>
+          </a:p>
+          <a:p>
+            <a:endParaRPr kumimoji="1" lang="en-US" altLang="ja-JP"/>
+          </a:p>
+          <a:p>
+            <a:endParaRPr kumimoji="1" lang="ja-JP" altLang="en-US"/>
           </a:p>
         </p:txBody>
       </p:sp>
@@ -12450,7 +12318,7 @@
           </a:bodyPr>
           <a:lstStyle/>
           <a:p>
-            <a:endParaRPr lang="en-US" altLang="ja-JP" sz="2400" b="1" dirty="0">
+            <a:endParaRPr lang="en-US" altLang="ja-JP" sz="2400" b="1">
               <a:solidFill>
                 <a:schemeClr val="bg1"/>
               </a:solidFill>
@@ -12463,14 +12331,14 @@
               </a:lnSpc>
             </a:pPr>
             <a:r>
-              <a:rPr lang="ja-JP" altLang="en-US" sz="2400" b="1" dirty="0">
+              <a:rPr lang="ja-JP" altLang="en-US" sz="2400" b="1">
                 <a:solidFill>
                   <a:schemeClr val="bg1"/>
                 </a:solidFill>
               </a:rPr>
               <a:t>いいね機能</a:t>
             </a:r>
-            <a:endParaRPr lang="en-US" altLang="ja-JP" sz="2400" b="1" dirty="0">
+            <a:endParaRPr lang="en-US" altLang="ja-JP" sz="2400" b="1">
               <a:solidFill>
                 <a:schemeClr val="bg1"/>
               </a:solidFill>
@@ -12483,14 +12351,14 @@
               </a:lnSpc>
             </a:pPr>
             <a:r>
-              <a:rPr lang="ja-JP" altLang="en-US" sz="2400" b="1" dirty="0">
+              <a:rPr lang="ja-JP" altLang="en-US" sz="2400" b="1">
                 <a:solidFill>
                   <a:schemeClr val="bg1"/>
                 </a:solidFill>
               </a:rPr>
               <a:t>キーワード検索機能</a:t>
             </a:r>
-            <a:endParaRPr lang="en-US" altLang="ja-JP" sz="2400" b="1" dirty="0">
+            <a:endParaRPr lang="en-US" altLang="ja-JP" sz="2400" b="1">
               <a:solidFill>
                 <a:schemeClr val="bg1"/>
               </a:solidFill>
@@ -12503,14 +12371,14 @@
               </a:lnSpc>
             </a:pPr>
             <a:r>
-              <a:rPr kumimoji="1" lang="ja-JP" altLang="en-US" sz="2400" b="1" dirty="0">
+              <a:rPr kumimoji="1" lang="ja-JP" altLang="en-US" sz="2400" b="1">
                 <a:solidFill>
                   <a:schemeClr val="bg1"/>
                 </a:solidFill>
               </a:rPr>
               <a:t>ユーザー検索機能</a:t>
             </a:r>
-            <a:endParaRPr kumimoji="1" lang="en-US" altLang="ja-JP" sz="2400" b="1" dirty="0">
+            <a:endParaRPr kumimoji="1" lang="en-US" altLang="ja-JP" sz="2400" b="1">
               <a:solidFill>
                 <a:schemeClr val="bg1"/>
               </a:solidFill>
@@ -12523,14 +12391,14 @@
               </a:lnSpc>
             </a:pPr>
             <a:r>
-              <a:rPr lang="ja-JP" altLang="en-US" sz="2400" b="1" dirty="0">
+              <a:rPr lang="ja-JP" altLang="en-US" sz="2400" b="1">
                 <a:solidFill>
                   <a:schemeClr val="bg1"/>
                 </a:solidFill>
               </a:rPr>
               <a:t>プロフィール設定・変更機能</a:t>
             </a:r>
-            <a:endParaRPr lang="en-US" altLang="ja-JP" sz="2400" b="1" dirty="0">
+            <a:endParaRPr lang="en-US" altLang="ja-JP" sz="2400" b="1">
               <a:solidFill>
                 <a:schemeClr val="bg1"/>
               </a:solidFill>
@@ -12543,14 +12411,14 @@
               </a:lnSpc>
             </a:pPr>
             <a:r>
-              <a:rPr kumimoji="1" lang="ja-JP" altLang="en-US" sz="2400" b="1" dirty="0">
+              <a:rPr kumimoji="1" lang="ja-JP" altLang="en-US" sz="2400" b="1">
                 <a:solidFill>
                   <a:schemeClr val="bg1"/>
                 </a:solidFill>
               </a:rPr>
               <a:t>プロフィール表示・閲覧機能</a:t>
             </a:r>
-            <a:endParaRPr kumimoji="1" lang="en-US" altLang="ja-JP" sz="2400" b="1" dirty="0">
+            <a:endParaRPr kumimoji="1" lang="en-US" altLang="ja-JP" sz="2400" b="1">
               <a:solidFill>
                 <a:schemeClr val="bg1"/>
               </a:solidFill>
@@ -12563,42 +12431,42 @@
               </a:lnSpc>
             </a:pPr>
             <a:r>
-              <a:rPr lang="ja-JP" altLang="en-US" sz="2400" b="1" dirty="0">
+              <a:rPr lang="ja-JP" altLang="en-US" sz="2400" b="1">
                 <a:solidFill>
                   <a:schemeClr val="bg1"/>
                 </a:solidFill>
               </a:rPr>
               <a:t>アカウント削除機能</a:t>
             </a:r>
-            <a:endParaRPr lang="en-US" altLang="ja-JP" sz="2400" b="1" dirty="0">
-              <a:solidFill>
-                <a:schemeClr val="bg1"/>
-              </a:solidFill>
-            </a:endParaRPr>
-          </a:p>
-          <a:p>
-            <a:endParaRPr kumimoji="1" lang="en-US" altLang="ja-JP" sz="2400" b="1" dirty="0">
-              <a:solidFill>
-                <a:schemeClr val="bg1"/>
-              </a:solidFill>
-            </a:endParaRPr>
-          </a:p>
-          <a:p>
-            <a:endParaRPr kumimoji="1" lang="en-US" altLang="ja-JP" sz="2000" b="1" dirty="0">
-              <a:solidFill>
-                <a:schemeClr val="bg1"/>
-              </a:solidFill>
-            </a:endParaRPr>
-          </a:p>
-          <a:p>
-            <a:endParaRPr kumimoji="1" lang="en-US" altLang="ja-JP" sz="2000" b="1" dirty="0">
-              <a:solidFill>
-                <a:schemeClr val="bg1"/>
-              </a:solidFill>
-            </a:endParaRPr>
-          </a:p>
-          <a:p>
-            <a:endParaRPr lang="ja-JP" altLang="en-US" dirty="0"/>
+            <a:endParaRPr lang="en-US" altLang="ja-JP" sz="2400" b="1">
+              <a:solidFill>
+                <a:schemeClr val="bg1"/>
+              </a:solidFill>
+            </a:endParaRPr>
+          </a:p>
+          <a:p>
+            <a:endParaRPr kumimoji="1" lang="en-US" altLang="ja-JP" sz="2400" b="1">
+              <a:solidFill>
+                <a:schemeClr val="bg1"/>
+              </a:solidFill>
+            </a:endParaRPr>
+          </a:p>
+          <a:p>
+            <a:endParaRPr kumimoji="1" lang="en-US" altLang="ja-JP" sz="2000" b="1">
+              <a:solidFill>
+                <a:schemeClr val="bg1"/>
+              </a:solidFill>
+            </a:endParaRPr>
+          </a:p>
+          <a:p>
+            <a:endParaRPr kumimoji="1" lang="en-US" altLang="ja-JP" sz="2000" b="1">
+              <a:solidFill>
+                <a:schemeClr val="bg1"/>
+              </a:solidFill>
+            </a:endParaRPr>
+          </a:p>
+          <a:p>
+            <a:endParaRPr lang="ja-JP" altLang="en-US"/>
           </a:p>
         </p:txBody>
       </p:sp>
@@ -12654,6 +12522,305 @@
           </a:p>
         </p:txBody>
       </p:sp>
+      <p:cxnSp>
+        <p:nvCxnSpPr>
+          <p:cNvPr id="9" name="直線コネクタ 8">
+            <a:extLst>
+              <a:ext uri="{FF2B5EF4-FFF2-40B4-BE49-F238E27FC236}">
+                <a16:creationId xmlns:a16="http://schemas.microsoft.com/office/drawing/2014/main" id="{07C2E814-EB9A-4869-9E7A-478DBC5961C0}"/>
+              </a:ext>
+            </a:extLst>
+          </p:cNvPr>
+          <p:cNvCxnSpPr>
+            <a:cxnSpLocks/>
+          </p:cNvCxnSpPr>
+          <p:nvPr/>
+        </p:nvCxnSpPr>
+        <p:spPr>
+          <a:xfrm>
+            <a:off x="1348353" y="4206288"/>
+            <a:ext cx="2173637" cy="0"/>
+          </a:xfrm>
+          <a:prstGeom prst="line">
+            <a:avLst/>
+          </a:prstGeom>
+          <a:ln w="38100">
+            <a:solidFill>
+              <a:schemeClr val="bg1"/>
+            </a:solidFill>
+          </a:ln>
+        </p:spPr>
+        <p:style>
+          <a:lnRef idx="1">
+            <a:schemeClr val="accent1"/>
+          </a:lnRef>
+          <a:fillRef idx="0">
+            <a:schemeClr val="accent1"/>
+          </a:fillRef>
+          <a:effectRef idx="0">
+            <a:schemeClr val="accent1"/>
+          </a:effectRef>
+          <a:fontRef idx="minor">
+            <a:schemeClr val="tx1"/>
+          </a:fontRef>
+        </p:style>
+      </p:cxnSp>
+      <p:cxnSp>
+        <p:nvCxnSpPr>
+          <p:cNvPr id="10" name="直線コネクタ 9">
+            <a:extLst>
+              <a:ext uri="{FF2B5EF4-FFF2-40B4-BE49-F238E27FC236}">
+                <a16:creationId xmlns:a16="http://schemas.microsoft.com/office/drawing/2014/main" id="{69617C9C-1EA1-EBC0-6FB7-42D37A6DA41D}"/>
+              </a:ext>
+            </a:extLst>
+          </p:cNvPr>
+          <p:cNvCxnSpPr>
+            <a:cxnSpLocks/>
+          </p:cNvCxnSpPr>
+          <p:nvPr/>
+        </p:nvCxnSpPr>
+        <p:spPr>
+          <a:xfrm>
+            <a:off x="1348353" y="4694776"/>
+            <a:ext cx="3967566" cy="0"/>
+          </a:xfrm>
+          <a:prstGeom prst="line">
+            <a:avLst/>
+          </a:prstGeom>
+          <a:ln w="38100">
+            <a:solidFill>
+              <a:schemeClr val="bg1"/>
+            </a:solidFill>
+          </a:ln>
+        </p:spPr>
+        <p:style>
+          <a:lnRef idx="1">
+            <a:schemeClr val="accent1"/>
+          </a:lnRef>
+          <a:fillRef idx="0">
+            <a:schemeClr val="accent1"/>
+          </a:fillRef>
+          <a:effectRef idx="0">
+            <a:schemeClr val="accent1"/>
+          </a:effectRef>
+          <a:fontRef idx="minor">
+            <a:schemeClr val="tx1"/>
+          </a:fontRef>
+        </p:style>
+      </p:cxnSp>
+      <p:cxnSp>
+        <p:nvCxnSpPr>
+          <p:cNvPr id="12" name="直線コネクタ 11">
+            <a:extLst>
+              <a:ext uri="{FF2B5EF4-FFF2-40B4-BE49-F238E27FC236}">
+                <a16:creationId xmlns:a16="http://schemas.microsoft.com/office/drawing/2014/main" id="{C29B33E1-90AB-7397-0FEE-A2EB39E8ADA9}"/>
+              </a:ext>
+            </a:extLst>
+          </p:cNvPr>
+          <p:cNvCxnSpPr/>
+          <p:nvPr/>
+        </p:nvCxnSpPr>
+        <p:spPr>
+          <a:xfrm>
+            <a:off x="1348353" y="5159724"/>
+            <a:ext cx="2173637" cy="0"/>
+          </a:xfrm>
+          <a:prstGeom prst="line">
+            <a:avLst/>
+          </a:prstGeom>
+          <a:ln w="38100">
+            <a:solidFill>
+              <a:schemeClr val="bg1"/>
+            </a:solidFill>
+          </a:ln>
+        </p:spPr>
+        <p:style>
+          <a:lnRef idx="1">
+            <a:schemeClr val="accent1"/>
+          </a:lnRef>
+          <a:fillRef idx="0">
+            <a:schemeClr val="accent1"/>
+          </a:fillRef>
+          <a:effectRef idx="0">
+            <a:schemeClr val="accent1"/>
+          </a:effectRef>
+          <a:fontRef idx="minor">
+            <a:schemeClr val="tx1"/>
+          </a:fontRef>
+        </p:style>
+      </p:cxnSp>
+      <p:cxnSp>
+        <p:nvCxnSpPr>
+          <p:cNvPr id="13" name="直線コネクタ 12">
+            <a:extLst>
+              <a:ext uri="{FF2B5EF4-FFF2-40B4-BE49-F238E27FC236}">
+                <a16:creationId xmlns:a16="http://schemas.microsoft.com/office/drawing/2014/main" id="{12F00B99-AF36-6A7B-DDD8-4FCFF5EF8671}"/>
+              </a:ext>
+            </a:extLst>
+          </p:cNvPr>
+          <p:cNvCxnSpPr>
+            <a:cxnSpLocks/>
+          </p:cNvCxnSpPr>
+          <p:nvPr/>
+        </p:nvCxnSpPr>
+        <p:spPr>
+          <a:xfrm>
+            <a:off x="6289729" y="2692910"/>
+            <a:ext cx="1831383" cy="0"/>
+          </a:xfrm>
+          <a:prstGeom prst="line">
+            <a:avLst/>
+          </a:prstGeom>
+          <a:ln w="38100">
+            <a:solidFill>
+              <a:schemeClr val="bg1"/>
+            </a:solidFill>
+          </a:ln>
+        </p:spPr>
+        <p:style>
+          <a:lnRef idx="1">
+            <a:schemeClr val="accent1"/>
+          </a:lnRef>
+          <a:fillRef idx="0">
+            <a:schemeClr val="accent1"/>
+          </a:fillRef>
+          <a:effectRef idx="0">
+            <a:schemeClr val="accent1"/>
+          </a:effectRef>
+          <a:fontRef idx="minor">
+            <a:schemeClr val="tx1"/>
+          </a:fontRef>
+        </p:style>
+      </p:cxnSp>
+      <p:cxnSp>
+        <p:nvCxnSpPr>
+          <p:cNvPr id="14" name="直線コネクタ 13">
+            <a:extLst>
+              <a:ext uri="{FF2B5EF4-FFF2-40B4-BE49-F238E27FC236}">
+                <a16:creationId xmlns:a16="http://schemas.microsoft.com/office/drawing/2014/main" id="{EC512EA6-A20C-579D-D55C-8A918783DBC6}"/>
+              </a:ext>
+            </a:extLst>
+          </p:cNvPr>
+          <p:cNvCxnSpPr>
+            <a:cxnSpLocks/>
+          </p:cNvCxnSpPr>
+          <p:nvPr/>
+        </p:nvCxnSpPr>
+        <p:spPr>
+          <a:xfrm>
+            <a:off x="6289729" y="3201770"/>
+            <a:ext cx="3039206" cy="0"/>
+          </a:xfrm>
+          <a:prstGeom prst="line">
+            <a:avLst/>
+          </a:prstGeom>
+          <a:ln w="38100">
+            <a:solidFill>
+              <a:schemeClr val="bg1"/>
+            </a:solidFill>
+          </a:ln>
+        </p:spPr>
+        <p:style>
+          <a:lnRef idx="1">
+            <a:schemeClr val="accent1"/>
+          </a:lnRef>
+          <a:fillRef idx="0">
+            <a:schemeClr val="accent1"/>
+          </a:fillRef>
+          <a:effectRef idx="0">
+            <a:schemeClr val="accent1"/>
+          </a:effectRef>
+          <a:fontRef idx="minor">
+            <a:schemeClr val="tx1"/>
+          </a:fontRef>
+        </p:style>
+      </p:cxnSp>
+      <p:cxnSp>
+        <p:nvCxnSpPr>
+          <p:cNvPr id="18" name="直線コネクタ 17">
+            <a:extLst>
+              <a:ext uri="{FF2B5EF4-FFF2-40B4-BE49-F238E27FC236}">
+                <a16:creationId xmlns:a16="http://schemas.microsoft.com/office/drawing/2014/main" id="{8F957789-C545-135F-E5B3-E870F1563D59}"/>
+              </a:ext>
+            </a:extLst>
+          </p:cNvPr>
+          <p:cNvCxnSpPr>
+            <a:cxnSpLocks/>
+          </p:cNvCxnSpPr>
+          <p:nvPr/>
+        </p:nvCxnSpPr>
+        <p:spPr>
+          <a:xfrm>
+            <a:off x="6289729" y="3695132"/>
+            <a:ext cx="2668291" cy="0"/>
+          </a:xfrm>
+          <a:prstGeom prst="line">
+            <a:avLst/>
+          </a:prstGeom>
+          <a:ln w="38100">
+            <a:solidFill>
+              <a:schemeClr val="bg1"/>
+            </a:solidFill>
+          </a:ln>
+        </p:spPr>
+        <p:style>
+          <a:lnRef idx="1">
+            <a:schemeClr val="accent1"/>
+          </a:lnRef>
+          <a:fillRef idx="0">
+            <a:schemeClr val="accent1"/>
+          </a:fillRef>
+          <a:effectRef idx="0">
+            <a:schemeClr val="accent1"/>
+          </a:effectRef>
+          <a:fontRef idx="minor">
+            <a:schemeClr val="tx1"/>
+          </a:fontRef>
+        </p:style>
+      </p:cxnSp>
+      <p:cxnSp>
+        <p:nvCxnSpPr>
+          <p:cNvPr id="21" name="直線コネクタ 20">
+            <a:extLst>
+              <a:ext uri="{FF2B5EF4-FFF2-40B4-BE49-F238E27FC236}">
+                <a16:creationId xmlns:a16="http://schemas.microsoft.com/office/drawing/2014/main" id="{E2EAFBAE-407E-FE69-9E95-1284225E49D8}"/>
+              </a:ext>
+            </a:extLst>
+          </p:cNvPr>
+          <p:cNvCxnSpPr>
+            <a:cxnSpLocks/>
+          </p:cNvCxnSpPr>
+          <p:nvPr/>
+        </p:nvCxnSpPr>
+        <p:spPr>
+          <a:xfrm>
+            <a:off x="6289729" y="4694776"/>
+            <a:ext cx="4282379" cy="0"/>
+          </a:xfrm>
+          <a:prstGeom prst="line">
+            <a:avLst/>
+          </a:prstGeom>
+          <a:ln w="38100">
+            <a:solidFill>
+              <a:schemeClr val="bg1"/>
+            </a:solidFill>
+          </a:ln>
+        </p:spPr>
+        <p:style>
+          <a:lnRef idx="1">
+            <a:schemeClr val="accent1"/>
+          </a:lnRef>
+          <a:fillRef idx="0">
+            <a:schemeClr val="accent1"/>
+          </a:fillRef>
+          <a:effectRef idx="0">
+            <a:schemeClr val="accent1"/>
+          </a:effectRef>
+          <a:fontRef idx="minor">
+            <a:schemeClr val="tx1"/>
+          </a:fontRef>
+        </p:style>
+      </p:cxnSp>
     </p:spTree>
     <p:extLst>
       <p:ext uri="{BB962C8B-B14F-4D97-AF65-F5344CB8AC3E}">
@@ -12664,6 +12831,299 @@
   <p:clrMapOvr>
     <a:masterClrMapping/>
   </p:clrMapOvr>
+  <p:timing>
+    <p:tnLst>
+      <p:par>
+        <p:cTn id="1" dur="indefinite" restart="never" nodeType="tmRoot">
+          <p:childTnLst>
+            <p:seq concurrent="1" nextAc="seek">
+              <p:cTn id="2" dur="indefinite" nodeType="mainSeq">
+                <p:childTnLst>
+                  <p:par>
+                    <p:cTn id="3" fill="hold">
+                      <p:stCondLst>
+                        <p:cond delay="indefinite"/>
+                      </p:stCondLst>
+                      <p:childTnLst>
+                        <p:par>
+                          <p:cTn id="4" fill="hold">
+                            <p:stCondLst>
+                              <p:cond delay="0"/>
+                            </p:stCondLst>
+                            <p:childTnLst>
+                              <p:par>
+                                <p:cTn id="5" presetID="6" presetClass="entr" presetSubtype="16" fill="hold" nodeType="clickEffect">
+                                  <p:stCondLst>
+                                    <p:cond delay="0"/>
+                                  </p:stCondLst>
+                                  <p:childTnLst>
+                                    <p:set>
+                                      <p:cBhvr>
+                                        <p:cTn id="6" dur="1" fill="hold">
+                                          <p:stCondLst>
+                                            <p:cond delay="0"/>
+                                          </p:stCondLst>
+                                        </p:cTn>
+                                        <p:tgtEl>
+                                          <p:spTgt spid="9"/>
+                                        </p:tgtEl>
+                                        <p:attrNameLst>
+                                          <p:attrName>style.visibility</p:attrName>
+                                        </p:attrNameLst>
+                                      </p:cBhvr>
+                                      <p:to>
+                                        <p:strVal val="visible"/>
+                                      </p:to>
+                                    </p:set>
+                                    <p:animEffect transition="in" filter="circle(in)">
+                                      <p:cBhvr>
+                                        <p:cTn id="7" dur="2000"/>
+                                        <p:tgtEl>
+                                          <p:spTgt spid="9"/>
+                                        </p:tgtEl>
+                                      </p:cBhvr>
+                                    </p:animEffect>
+                                  </p:childTnLst>
+                                </p:cTn>
+                              </p:par>
+                              <p:par>
+                                <p:cTn id="8" presetID="6" presetClass="entr" presetSubtype="16" fill="hold" nodeType="withEffect">
+                                  <p:stCondLst>
+                                    <p:cond delay="0"/>
+                                  </p:stCondLst>
+                                  <p:childTnLst>
+                                    <p:set>
+                                      <p:cBhvr>
+                                        <p:cTn id="9" dur="1" fill="hold">
+                                          <p:stCondLst>
+                                            <p:cond delay="0"/>
+                                          </p:stCondLst>
+                                        </p:cTn>
+                                        <p:tgtEl>
+                                          <p:spTgt spid="10"/>
+                                        </p:tgtEl>
+                                        <p:attrNameLst>
+                                          <p:attrName>style.visibility</p:attrName>
+                                        </p:attrNameLst>
+                                      </p:cBhvr>
+                                      <p:to>
+                                        <p:strVal val="visible"/>
+                                      </p:to>
+                                    </p:set>
+                                    <p:animEffect transition="in" filter="circle(in)">
+                                      <p:cBhvr>
+                                        <p:cTn id="10" dur="2000"/>
+                                        <p:tgtEl>
+                                          <p:spTgt spid="10"/>
+                                        </p:tgtEl>
+                                      </p:cBhvr>
+                                    </p:animEffect>
+                                  </p:childTnLst>
+                                </p:cTn>
+                              </p:par>
+                              <p:par>
+                                <p:cTn id="11" presetID="6" presetClass="entr" presetSubtype="16" fill="hold" nodeType="withEffect">
+                                  <p:stCondLst>
+                                    <p:cond delay="0"/>
+                                  </p:stCondLst>
+                                  <p:childTnLst>
+                                    <p:set>
+                                      <p:cBhvr>
+                                        <p:cTn id="12" dur="1" fill="hold">
+                                          <p:stCondLst>
+                                            <p:cond delay="0"/>
+                                          </p:stCondLst>
+                                        </p:cTn>
+                                        <p:tgtEl>
+                                          <p:spTgt spid="12"/>
+                                        </p:tgtEl>
+                                        <p:attrNameLst>
+                                          <p:attrName>style.visibility</p:attrName>
+                                        </p:attrNameLst>
+                                      </p:cBhvr>
+                                      <p:to>
+                                        <p:strVal val="visible"/>
+                                      </p:to>
+                                    </p:set>
+                                    <p:animEffect transition="in" filter="circle(in)">
+                                      <p:cBhvr>
+                                        <p:cTn id="13" dur="2000"/>
+                                        <p:tgtEl>
+                                          <p:spTgt spid="12"/>
+                                        </p:tgtEl>
+                                      </p:cBhvr>
+                                    </p:animEffect>
+                                  </p:childTnLst>
+                                </p:cTn>
+                              </p:par>
+                              <p:par>
+                                <p:cTn id="14" presetID="6" presetClass="entr" presetSubtype="16" fill="hold" nodeType="withEffect">
+                                  <p:stCondLst>
+                                    <p:cond delay="0"/>
+                                  </p:stCondLst>
+                                  <p:childTnLst>
+                                    <p:set>
+                                      <p:cBhvr>
+                                        <p:cTn id="15" dur="1" fill="hold">
+                                          <p:stCondLst>
+                                            <p:cond delay="0"/>
+                                          </p:stCondLst>
+                                        </p:cTn>
+                                        <p:tgtEl>
+                                          <p:spTgt spid="13"/>
+                                        </p:tgtEl>
+                                        <p:attrNameLst>
+                                          <p:attrName>style.visibility</p:attrName>
+                                        </p:attrNameLst>
+                                      </p:cBhvr>
+                                      <p:to>
+                                        <p:strVal val="visible"/>
+                                      </p:to>
+                                    </p:set>
+                                    <p:animEffect transition="in" filter="circle(in)">
+                                      <p:cBhvr>
+                                        <p:cTn id="16" dur="2000"/>
+                                        <p:tgtEl>
+                                          <p:spTgt spid="13"/>
+                                        </p:tgtEl>
+                                      </p:cBhvr>
+                                    </p:animEffect>
+                                  </p:childTnLst>
+                                </p:cTn>
+                              </p:par>
+                              <p:par>
+                                <p:cTn id="17" presetID="6" presetClass="entr" presetSubtype="16" fill="hold" nodeType="withEffect">
+                                  <p:stCondLst>
+                                    <p:cond delay="0"/>
+                                  </p:stCondLst>
+                                  <p:childTnLst>
+                                    <p:set>
+                                      <p:cBhvr>
+                                        <p:cTn id="18" dur="1" fill="hold">
+                                          <p:stCondLst>
+                                            <p:cond delay="0"/>
+                                          </p:stCondLst>
+                                        </p:cTn>
+                                        <p:tgtEl>
+                                          <p:spTgt spid="14"/>
+                                        </p:tgtEl>
+                                        <p:attrNameLst>
+                                          <p:attrName>style.visibility</p:attrName>
+                                        </p:attrNameLst>
+                                      </p:cBhvr>
+                                      <p:to>
+                                        <p:strVal val="visible"/>
+                                      </p:to>
+                                    </p:set>
+                                    <p:animEffect transition="in" filter="circle(in)">
+                                      <p:cBhvr>
+                                        <p:cTn id="19" dur="2000"/>
+                                        <p:tgtEl>
+                                          <p:spTgt spid="14"/>
+                                        </p:tgtEl>
+                                      </p:cBhvr>
+                                    </p:animEffect>
+                                  </p:childTnLst>
+                                </p:cTn>
+                              </p:par>
+                              <p:par>
+                                <p:cTn id="20" presetID="6" presetClass="entr" presetSubtype="16" fill="hold" nodeType="withEffect">
+                                  <p:stCondLst>
+                                    <p:cond delay="0"/>
+                                  </p:stCondLst>
+                                  <p:childTnLst>
+                                    <p:set>
+                                      <p:cBhvr>
+                                        <p:cTn id="21" dur="1" fill="hold">
+                                          <p:stCondLst>
+                                            <p:cond delay="0"/>
+                                          </p:stCondLst>
+                                        </p:cTn>
+                                        <p:tgtEl>
+                                          <p:spTgt spid="18"/>
+                                        </p:tgtEl>
+                                        <p:attrNameLst>
+                                          <p:attrName>style.visibility</p:attrName>
+                                        </p:attrNameLst>
+                                      </p:cBhvr>
+                                      <p:to>
+                                        <p:strVal val="visible"/>
+                                      </p:to>
+                                    </p:set>
+                                    <p:animEffect transition="in" filter="circle(in)">
+                                      <p:cBhvr>
+                                        <p:cTn id="22" dur="2000"/>
+                                        <p:tgtEl>
+                                          <p:spTgt spid="18"/>
+                                        </p:tgtEl>
+                                      </p:cBhvr>
+                                    </p:animEffect>
+                                  </p:childTnLst>
+                                </p:cTn>
+                              </p:par>
+                              <p:par>
+                                <p:cTn id="23" presetID="6" presetClass="entr" presetSubtype="16" fill="hold" nodeType="withEffect">
+                                  <p:stCondLst>
+                                    <p:cond delay="0"/>
+                                  </p:stCondLst>
+                                  <p:childTnLst>
+                                    <p:set>
+                                      <p:cBhvr>
+                                        <p:cTn id="24" dur="1" fill="hold">
+                                          <p:stCondLst>
+                                            <p:cond delay="0"/>
+                                          </p:stCondLst>
+                                        </p:cTn>
+                                        <p:tgtEl>
+                                          <p:spTgt spid="21"/>
+                                        </p:tgtEl>
+                                        <p:attrNameLst>
+                                          <p:attrName>style.visibility</p:attrName>
+                                        </p:attrNameLst>
+                                      </p:cBhvr>
+                                      <p:to>
+                                        <p:strVal val="visible"/>
+                                      </p:to>
+                                    </p:set>
+                                    <p:animEffect transition="in" filter="circle(in)">
+                                      <p:cBhvr>
+                                        <p:cTn id="25" dur="2000"/>
+                                        <p:tgtEl>
+                                          <p:spTgt spid="21"/>
+                                        </p:tgtEl>
+                                      </p:cBhvr>
+                                    </p:animEffect>
+                                  </p:childTnLst>
+                                </p:cTn>
+                              </p:par>
+                            </p:childTnLst>
+                          </p:cTn>
+                        </p:par>
+                      </p:childTnLst>
+                    </p:cTn>
+                  </p:par>
+                </p:childTnLst>
+              </p:cTn>
+              <p:prevCondLst>
+                <p:cond evt="onPrev" delay="0">
+                  <p:tgtEl>
+                    <p:sldTgt/>
+                  </p:tgtEl>
+                </p:cond>
+              </p:prevCondLst>
+              <p:nextCondLst>
+                <p:cond evt="onNext" delay="0">
+                  <p:tgtEl>
+                    <p:sldTgt/>
+                  </p:tgtEl>
+                </p:cond>
+              </p:nextCondLst>
+            </p:seq>
+          </p:childTnLst>
+        </p:cTn>
+      </p:par>
+    </p:tnLst>
+  </p:timing>
 </p:sld>
 </file>
 
@@ -12801,7 +13261,7 @@
           <a:lstStyle/>
           <a:p>
             <a:r>
-              <a:rPr lang="ja-JP" altLang="en-US" b="1" dirty="0">
+              <a:rPr lang="ja-JP" altLang="en-US" b="1">
                 <a:solidFill>
                   <a:schemeClr val="bg1"/>
                 </a:solidFill>
@@ -12886,59 +13346,59 @@
           </a:bodyPr>
           <a:lstStyle/>
           <a:p>
-            <a:endParaRPr lang="en-US" altLang="ja-JP" sz="2400" b="1" dirty="0">
-              <a:solidFill>
-                <a:schemeClr val="bg1"/>
-              </a:solidFill>
-            </a:endParaRPr>
-          </a:p>
-          <a:p>
-            <a:r>
-              <a:rPr lang="ja-JP" altLang="en-US" sz="2400" b="1" dirty="0">
+            <a:endParaRPr lang="en-US" altLang="ja-JP" sz="2400" b="1">
+              <a:solidFill>
+                <a:schemeClr val="bg1"/>
+              </a:solidFill>
+            </a:endParaRPr>
+          </a:p>
+          <a:p>
+            <a:r>
+              <a:rPr lang="ja-JP" altLang="en-US" sz="2400" b="1">
                 <a:solidFill>
                   <a:schemeClr val="bg1"/>
                 </a:solidFill>
               </a:rPr>
               <a:t>やまったーのロゴが表示</a:t>
             </a:r>
-            <a:endParaRPr lang="en-US" altLang="ja-JP" sz="2400" b="1" dirty="0">
-              <a:solidFill>
-                <a:schemeClr val="bg1"/>
-              </a:solidFill>
-            </a:endParaRPr>
-          </a:p>
-          <a:p>
-            <a:endParaRPr lang="en-US" altLang="ja-JP" sz="2000" b="1" dirty="0">
-              <a:solidFill>
-                <a:schemeClr val="bg1"/>
-              </a:solidFill>
-            </a:endParaRPr>
-          </a:p>
-          <a:p>
-            <a:r>
-              <a:rPr lang="ja-JP" altLang="en-US" sz="2000" b="1" dirty="0">
+            <a:endParaRPr lang="en-US" altLang="ja-JP" sz="2400" b="1">
+              <a:solidFill>
+                <a:schemeClr val="bg1"/>
+              </a:solidFill>
+            </a:endParaRPr>
+          </a:p>
+          <a:p>
+            <a:endParaRPr lang="en-US" altLang="ja-JP" sz="2000" b="1">
+              <a:solidFill>
+                <a:schemeClr val="bg1"/>
+              </a:solidFill>
+            </a:endParaRPr>
+          </a:p>
+          <a:p>
+            <a:r>
+              <a:rPr lang="ja-JP" altLang="en-US" sz="2000" b="1">
                 <a:solidFill>
                   <a:schemeClr val="bg1"/>
                 </a:solidFill>
               </a:rPr>
               <a:t>画面をクリック</a:t>
             </a:r>
-            <a:endParaRPr lang="en-US" altLang="ja-JP" sz="2000" b="1" dirty="0">
-              <a:solidFill>
-                <a:schemeClr val="bg1"/>
-              </a:solidFill>
-            </a:endParaRPr>
-          </a:p>
-          <a:p>
-            <a:r>
-              <a:rPr lang="ja-JP" altLang="en-US" sz="2000" b="1" dirty="0">
+            <a:endParaRPr lang="en-US" altLang="ja-JP" sz="2000" b="1">
+              <a:solidFill>
+                <a:schemeClr val="bg1"/>
+              </a:solidFill>
+            </a:endParaRPr>
+          </a:p>
+          <a:p>
+            <a:r>
+              <a:rPr lang="ja-JP" altLang="en-US" sz="2000" b="1">
                 <a:solidFill>
                   <a:schemeClr val="bg1"/>
                 </a:solidFill>
               </a:rPr>
               <a:t>　→ログイン画面へ</a:t>
             </a:r>
-            <a:endParaRPr lang="en-US" altLang="ja-JP" sz="2000" b="1" dirty="0">
+            <a:endParaRPr lang="en-US" altLang="ja-JP" sz="2000" b="1">
               <a:solidFill>
                 <a:schemeClr val="bg1"/>
               </a:solidFill>
@@ -13145,7 +13605,7 @@
           <a:lstStyle/>
           <a:p>
             <a:r>
-              <a:rPr lang="ja-JP" altLang="en-US" b="1" dirty="0">
+              <a:rPr lang="ja-JP" altLang="en-US" b="1">
                 <a:solidFill>
                   <a:schemeClr val="bg1"/>
                 </a:solidFill>
@@ -13230,37 +13690,37 @@
           <a:lstStyle/>
           <a:p>
             <a:r>
-              <a:rPr lang="ja-JP" altLang="en-US" sz="2400" b="1" dirty="0">
+              <a:rPr lang="ja-JP" altLang="en-US" sz="2400" b="1">
                 <a:solidFill>
                   <a:schemeClr val="bg1"/>
                 </a:solidFill>
               </a:rPr>
               <a:t>▍ログイン機能</a:t>
             </a:r>
-            <a:endParaRPr lang="en-US" altLang="ja-JP" sz="2000" b="1" dirty="0">
-              <a:solidFill>
-                <a:schemeClr val="bg1"/>
-              </a:solidFill>
-            </a:endParaRPr>
-          </a:p>
-          <a:p>
-            <a:r>
-              <a:rPr lang="ja-JP" altLang="en-US" sz="2000" b="1" dirty="0">
+            <a:endParaRPr lang="en-US" altLang="ja-JP" sz="2000" b="1">
+              <a:solidFill>
+                <a:schemeClr val="bg1"/>
+              </a:solidFill>
+            </a:endParaRPr>
+          </a:p>
+          <a:p>
+            <a:r>
+              <a:rPr lang="ja-JP" altLang="en-US" sz="2000" b="1">
                 <a:solidFill>
                   <a:schemeClr val="bg1"/>
                 </a:solidFill>
               </a:rPr>
               <a:t>メールアドレスとパスワードを入力してログイン</a:t>
             </a:r>
-            <a:endParaRPr lang="en-US" altLang="ja-JP" sz="2000" b="1" dirty="0">
-              <a:solidFill>
-                <a:schemeClr val="bg1"/>
-              </a:solidFill>
-            </a:endParaRPr>
-          </a:p>
-          <a:p>
-            <a:r>
-              <a:rPr lang="ja-JP" altLang="en-US" sz="2000" b="1" dirty="0">
+            <a:endParaRPr lang="en-US" altLang="ja-JP" sz="2000" b="1">
+              <a:solidFill>
+                <a:schemeClr val="bg1"/>
+              </a:solidFill>
+            </a:endParaRPr>
+          </a:p>
+          <a:p>
+            <a:r>
+              <a:rPr lang="ja-JP" altLang="en-US" sz="2000" b="1">
                 <a:solidFill>
                   <a:schemeClr val="bg1"/>
                 </a:solidFill>
@@ -13268,29 +13728,29 @@
               <a:t>　</a:t>
             </a:r>
             <a:r>
-              <a:rPr lang="ja-JP" altLang="en-US" sz="1800" b="1" dirty="0">
+              <a:rPr lang="ja-JP" altLang="en-US" sz="1800" b="1">
                 <a:solidFill>
                   <a:schemeClr val="bg1"/>
                 </a:solidFill>
               </a:rPr>
               <a:t>→ メールアドレス、パスワードが不正の場合はエラーメッセージ表示</a:t>
             </a:r>
-            <a:endParaRPr lang="en-US" altLang="ja-JP" sz="1800" b="1" dirty="0">
-              <a:solidFill>
-                <a:schemeClr val="bg1"/>
-              </a:solidFill>
-            </a:endParaRPr>
-          </a:p>
-          <a:p>
-            <a:endParaRPr lang="en-US" altLang="ja-JP" sz="1800" b="1" dirty="0">
-              <a:solidFill>
-                <a:schemeClr val="bg1"/>
-              </a:solidFill>
-            </a:endParaRPr>
-          </a:p>
-          <a:p>
-            <a:r>
-              <a:rPr lang="ja-JP" altLang="en-US" sz="1800" b="1" dirty="0">
+            <a:endParaRPr lang="en-US" altLang="ja-JP" sz="1800" b="1">
+              <a:solidFill>
+                <a:schemeClr val="bg1"/>
+              </a:solidFill>
+            </a:endParaRPr>
+          </a:p>
+          <a:p>
+            <a:endParaRPr lang="en-US" altLang="ja-JP" sz="1800" b="1">
+              <a:solidFill>
+                <a:schemeClr val="bg1"/>
+              </a:solidFill>
+            </a:endParaRPr>
+          </a:p>
+          <a:p>
+            <a:r>
+              <a:rPr lang="ja-JP" altLang="en-US" sz="1800" b="1">
                 <a:solidFill>
                   <a:schemeClr val="bg1"/>
                 </a:solidFill>
@@ -13300,7 +13760,7 @@
               </a:rPr>
               <a:t>新規登録はこちらから</a:t>
             </a:r>
-            <a:endParaRPr lang="en-US" altLang="ja-JP" sz="1800" b="1" dirty="0">
+            <a:endParaRPr lang="en-US" altLang="ja-JP" sz="1800" b="1">
               <a:solidFill>
                 <a:schemeClr val="bg1"/>
               </a:solidFill>
@@ -13311,29 +13771,29 @@
           </a:p>
           <a:p>
             <a:r>
-              <a:rPr lang="ja-JP" altLang="en-US" sz="1800" b="1" dirty="0">
+              <a:rPr lang="ja-JP" altLang="en-US" sz="1800" b="1">
                 <a:solidFill>
                   <a:schemeClr val="bg1"/>
                 </a:solidFill>
               </a:rPr>
               <a:t>　→新規登録画面へ</a:t>
             </a:r>
-            <a:endParaRPr lang="en-US" altLang="ja-JP" sz="1800" b="1" dirty="0">
-              <a:solidFill>
-                <a:schemeClr val="bg1"/>
-              </a:solidFill>
-            </a:endParaRPr>
-          </a:p>
-          <a:p>
-            <a:r>
-              <a:rPr lang="ja-JP" altLang="en-US" sz="1800" b="1" dirty="0">
+            <a:endParaRPr lang="en-US" altLang="ja-JP" sz="1800" b="1">
+              <a:solidFill>
+                <a:schemeClr val="bg1"/>
+              </a:solidFill>
+            </a:endParaRPr>
+          </a:p>
+          <a:p>
+            <a:r>
+              <a:rPr lang="ja-JP" altLang="en-US" sz="1800" b="1">
                 <a:solidFill>
                   <a:schemeClr val="bg1"/>
                 </a:solidFill>
               </a:rPr>
               <a:t>　</a:t>
             </a:r>
-            <a:endParaRPr lang="en-US" altLang="ja-JP" sz="1800" b="1" dirty="0">
+            <a:endParaRPr lang="en-US" altLang="ja-JP" sz="1800" b="1">
               <a:solidFill>
                 <a:schemeClr val="bg1"/>
               </a:solidFill>
@@ -13585,7 +14045,7 @@
           <a:lstStyle/>
           <a:p>
             <a:r>
-              <a:rPr lang="ja-JP" altLang="en-US" b="1" dirty="0">
+              <a:rPr lang="ja-JP" altLang="en-US" b="1">
                 <a:solidFill>
                   <a:schemeClr val="bg1"/>
                 </a:solidFill>
@@ -13675,59 +14135,59 @@
           <a:lstStyle/>
           <a:p>
             <a:r>
-              <a:rPr lang="ja-JP" altLang="en-US" sz="2400" b="1" dirty="0">
+              <a:rPr lang="ja-JP" altLang="en-US" sz="2400" b="1">
                 <a:solidFill>
                   <a:schemeClr val="bg1"/>
                 </a:solidFill>
               </a:rPr>
               <a:t>▍新規登録機能</a:t>
             </a:r>
-            <a:endParaRPr lang="en-US" altLang="ja-JP" sz="2400" b="1" dirty="0">
-              <a:solidFill>
-                <a:schemeClr val="bg1"/>
-              </a:solidFill>
-            </a:endParaRPr>
-          </a:p>
-          <a:p>
-            <a:r>
-              <a:rPr lang="ja-JP" altLang="en-US" sz="2000" b="1" dirty="0">
+            <a:endParaRPr lang="en-US" altLang="ja-JP" sz="2400" b="1">
+              <a:solidFill>
+                <a:schemeClr val="bg1"/>
+              </a:solidFill>
+            </a:endParaRPr>
+          </a:p>
+          <a:p>
+            <a:r>
+              <a:rPr lang="ja-JP" altLang="en-US" sz="2000" b="1">
                 <a:solidFill>
                   <a:schemeClr val="bg1"/>
                 </a:solidFill>
               </a:rPr>
               <a:t>メールアドレス、パスワード、ユーザーネームを入力して登録</a:t>
             </a:r>
-            <a:endParaRPr lang="en-US" altLang="ja-JP" sz="2000" b="1" dirty="0">
-              <a:solidFill>
-                <a:schemeClr val="bg1"/>
-              </a:solidFill>
-            </a:endParaRPr>
-          </a:p>
-          <a:p>
-            <a:r>
-              <a:rPr lang="ja-JP" altLang="en-US" sz="2000" b="1" dirty="0">
+            <a:endParaRPr lang="en-US" altLang="ja-JP" sz="2000" b="1">
+              <a:solidFill>
+                <a:schemeClr val="bg1"/>
+              </a:solidFill>
+            </a:endParaRPr>
+          </a:p>
+          <a:p>
+            <a:r>
+              <a:rPr lang="ja-JP" altLang="en-US" sz="2000" b="1">
                 <a:solidFill>
                   <a:schemeClr val="bg1"/>
                 </a:solidFill>
               </a:rPr>
               <a:t>　→ メールアドレスの重複が確認されたときエラーメッセージを表示</a:t>
             </a:r>
-            <a:endParaRPr lang="en-US" altLang="ja-JP" sz="2000" b="1" dirty="0">
-              <a:solidFill>
-                <a:schemeClr val="bg1"/>
-              </a:solidFill>
-            </a:endParaRPr>
-          </a:p>
-          <a:p>
-            <a:endParaRPr lang="en-US" altLang="ja-JP" sz="2000" b="1" dirty="0">
-              <a:solidFill>
-                <a:schemeClr val="bg1"/>
-              </a:solidFill>
-            </a:endParaRPr>
-          </a:p>
-          <a:p>
-            <a:r>
-              <a:rPr lang="ja-JP" altLang="en-US" sz="2000" b="1" dirty="0">
+            <a:endParaRPr lang="en-US" altLang="ja-JP" sz="2000" b="1">
+              <a:solidFill>
+                <a:schemeClr val="bg1"/>
+              </a:solidFill>
+            </a:endParaRPr>
+          </a:p>
+          <a:p>
+            <a:endParaRPr lang="en-US" altLang="ja-JP" sz="2000" b="1">
+              <a:solidFill>
+                <a:schemeClr val="bg1"/>
+              </a:solidFill>
+            </a:endParaRPr>
+          </a:p>
+          <a:p>
+            <a:r>
+              <a:rPr lang="ja-JP" altLang="en-US" sz="2000" b="1">
                 <a:solidFill>
                   <a:schemeClr val="bg1"/>
                 </a:solidFill>
@@ -13738,14 +14198,14 @@
               <a:t>ログインへ戻る </a:t>
             </a:r>
             <a:r>
-              <a:rPr lang="ja-JP" altLang="en-US" sz="2000" b="1" dirty="0">
+              <a:rPr lang="ja-JP" altLang="en-US" sz="2000" b="1">
                 <a:solidFill>
                   <a:schemeClr val="bg1"/>
                 </a:solidFill>
               </a:rPr>
               <a:t>→ ログイン画面へ </a:t>
             </a:r>
-            <a:endParaRPr lang="en-US" altLang="ja-JP" sz="2000" b="1" dirty="0">
+            <a:endParaRPr lang="en-US" altLang="ja-JP" sz="2000" b="1">
               <a:solidFill>
                 <a:schemeClr val="bg1"/>
               </a:solidFill>
@@ -13997,7 +14457,7 @@
           <a:lstStyle/>
           <a:p>
             <a:r>
-              <a:rPr lang="ja-JP" altLang="en-US" b="1" dirty="0">
+              <a:rPr lang="ja-JP" altLang="en-US" b="1">
                 <a:solidFill>
                   <a:schemeClr val="bg1"/>
                 </a:solidFill>
@@ -14033,7 +14493,7 @@
           <a:lstStyle/>
           <a:p>
             <a:r>
-              <a:rPr lang="ja-JP" altLang="en-US" sz="2400" b="1" dirty="0">
+              <a:rPr lang="ja-JP" altLang="en-US" sz="2400" b="1">
                 <a:solidFill>
                   <a:schemeClr val="bg1"/>
                 </a:solidFill>
@@ -14041,7 +14501,7 @@
               <a:t>▍</a:t>
             </a:r>
             <a:r>
-              <a:rPr lang="ja-JP" altLang="en-US" sz="2400" b="1" dirty="0">
+              <a:rPr lang="ja-JP" altLang="en-US" sz="2400" b="1">
                 <a:solidFill>
                   <a:schemeClr val="bg1"/>
                 </a:solidFill>
@@ -14058,7 +14518,7 @@
           </a:p>
           <a:p>
             <a:r>
-              <a:rPr lang="ja-JP" altLang="en-US" sz="2000" b="1" dirty="0">
+              <a:rPr lang="ja-JP" altLang="en-US" sz="2000" b="1">
                 <a:solidFill>
                   <a:schemeClr val="bg1"/>
                 </a:solidFill>
@@ -14083,7 +14543,7 @@
           </a:p>
           <a:p>
             <a:r>
-              <a:rPr lang="ja-JP" altLang="en-US" sz="2000" b="1" dirty="0">
+              <a:rPr lang="ja-JP" altLang="en-US" sz="2000" b="1">
                 <a:solidFill>
                   <a:schemeClr val="bg1"/>
                 </a:solidFill>
@@ -14106,7 +14566,7 @@
           </a:p>
           <a:p>
             <a:r>
-              <a:rPr lang="ja-JP" altLang="en-US" sz="2000" b="1" dirty="0">
+              <a:rPr lang="ja-JP" altLang="en-US" sz="2000" b="1">
                 <a:solidFill>
                   <a:schemeClr val="bg1"/>
                 </a:solidFill>
@@ -14198,7 +14658,7 @@
         </p:blipFill>
         <p:spPr>
           <a:xfrm>
-            <a:off x="8598679" y="3806905"/>
+            <a:off x="8577248" y="3692605"/>
             <a:ext cx="3150678" cy="2548090"/>
           </a:xfrm>
           <a:prstGeom prst="rect">
@@ -15010,12 +15470,6 @@
 </file>
 
 <file path=customXml/item2.xml><?xml version="1.0" encoding="utf-8"?>
-<p:properties xmlns:p="http://schemas.microsoft.com/office/2006/metadata/properties" xmlns:xsi="http://www.w3.org/2001/XMLSchema-instance" xmlns:pc="http://schemas.microsoft.com/office/infopath/2007/PartnerControls">
-  <documentManagement/>
-</p:properties>
-</file>
-
-<file path=customXml/item3.xml><?xml version="1.0" encoding="utf-8"?>
 <?mso-contentType ?>
 <FormTemplates xmlns="http://schemas.microsoft.com/sharepoint/v3/contenttype/forms">
   <Display>DocumentLibraryForm</Display>
@@ -15024,37 +15478,50 @@
 </FormTemplates>
 </file>
 
+<file path=customXml/item3.xml><?xml version="1.0" encoding="utf-8"?>
+<p:properties xmlns:p="http://schemas.microsoft.com/office/2006/metadata/properties" xmlns:xsi="http://www.w3.org/2001/XMLSchema-instance" xmlns:pc="http://schemas.microsoft.com/office/infopath/2007/PartnerControls">
+  <documentManagement/>
+</p:properties>
+</file>
+
 <file path=customXml/itemProps1.xml><?xml version="1.0" encoding="utf-8"?>
 <ds:datastoreItem xmlns:ds="http://schemas.openxmlformats.org/officeDocument/2006/customXml" ds:itemID="{D19619CC-8035-4AF5-9CD5-95936BF6CB53}">
   <ds:schemaRefs>
-    <ds:schemaRef ds:uri="http://schemas.microsoft.com/office/2006/metadata/contentType"/>
-    <ds:schemaRef ds:uri="http://schemas.microsoft.com/office/2006/metadata/properties/metaAttributes"/>
-    <ds:schemaRef ds:uri="http://www.w3.org/2001/XMLSchema"/>
-    <ds:schemaRef ds:uri="http://schemas.microsoft.com/office/2006/metadata/properties"/>
     <ds:schemaRef ds:uri="d9d2f7cd-238d-4bc7-8d86-5d4c3ad75c2c"/>
-    <ds:schemaRef ds:uri="http://schemas.microsoft.com/office/2006/documentManagement/types"/>
-    <ds:schemaRef ds:uri="http://schemas.microsoft.com/office/infopath/2007/PartnerControls"/>
-    <ds:schemaRef ds:uri="http://schemas.openxmlformats.org/package/2006/metadata/core-properties"/>
     <ds:schemaRef ds:uri="http://purl.org/dc/elements/1.1/"/>
     <ds:schemaRef ds:uri="http://purl.org/dc/terms/"/>
     <ds:schemaRef ds:uri="http://schemas.microsoft.com/internal/obd"/>
+    <ds:schemaRef ds:uri="http://schemas.microsoft.com/office/2006/documentManagement/types"/>
+    <ds:schemaRef ds:uri="http://schemas.microsoft.com/office/2006/metadata/contentType"/>
+    <ds:schemaRef ds:uri="http://schemas.microsoft.com/office/2006/metadata/properties"/>
+    <ds:schemaRef ds:uri="http://schemas.microsoft.com/office/2006/metadata/properties/metaAttributes"/>
+    <ds:schemaRef ds:uri="http://schemas.microsoft.com/office/infopath/2007/PartnerControls"/>
+    <ds:schemaRef ds:uri="http://schemas.openxmlformats.org/package/2006/metadata/core-properties"/>
+    <ds:schemaRef ds:uri="http://www.w3.org/2001/XMLSchema"/>
   </ds:schemaRefs>
 </ds:datastoreItem>
 </file>
 
 <file path=customXml/itemProps2.xml><?xml version="1.0" encoding="utf-8"?>
-<ds:datastoreItem xmlns:ds="http://schemas.openxmlformats.org/officeDocument/2006/customXml" ds:itemID="{D0D7C8AE-288F-4E5E-AAD4-D99324E05832}">
+<ds:datastoreItem xmlns:ds="http://schemas.openxmlformats.org/officeDocument/2006/customXml" ds:itemID="{303D5B7B-FB77-4AF2-A199-FB02F83D22DE}">
   <ds:schemaRefs>
-    <ds:schemaRef ds:uri="http://schemas.microsoft.com/office/2006/metadata/properties"/>
-    <ds:schemaRef ds:uri="http://schemas.microsoft.com/office/infopath/2007/PartnerControls"/>
+    <ds:schemaRef ds:uri="http://schemas.microsoft.com/sharepoint/v3/contenttype/forms"/>
   </ds:schemaRefs>
 </ds:datastoreItem>
 </file>
 
 <file path=customXml/itemProps3.xml><?xml version="1.0" encoding="utf-8"?>
-<ds:datastoreItem xmlns:ds="http://schemas.openxmlformats.org/officeDocument/2006/customXml" ds:itemID="{303D5B7B-FB77-4AF2-A199-FB02F83D22DE}">
+<ds:datastoreItem xmlns:ds="http://schemas.openxmlformats.org/officeDocument/2006/customXml" ds:itemID="{D0D7C8AE-288F-4E5E-AAD4-D99324E05832}">
   <ds:schemaRefs>
-    <ds:schemaRef ds:uri="http://schemas.microsoft.com/sharepoint/v3/contenttype/forms"/>
+    <ds:schemaRef ds:uri="d9d2f7cd-238d-4bc7-8d86-5d4c3ad75c2c"/>
+    <ds:schemaRef ds:uri="http://purl.org/dc/dcmitype/"/>
+    <ds:schemaRef ds:uri="http://purl.org/dc/elements/1.1/"/>
+    <ds:schemaRef ds:uri="http://purl.org/dc/terms/"/>
+    <ds:schemaRef ds:uri="http://schemas.microsoft.com/office/2006/documentManagement/types"/>
+    <ds:schemaRef ds:uri="http://schemas.microsoft.com/office/2006/metadata/properties"/>
+    <ds:schemaRef ds:uri="http://schemas.microsoft.com/office/infopath/2007/PartnerControls"/>
+    <ds:schemaRef ds:uri="http://schemas.openxmlformats.org/package/2006/metadata/core-properties"/>
+    <ds:schemaRef ds:uri="http://www.w3.org/XML/1998/namespace"/>
   </ds:schemaRefs>
 </ds:datastoreItem>
 </file>